--- a/OCR_Project/Project _10_AWS.pptx
+++ b/OCR_Project/Project _10_AWS.pptx
@@ -10,7 +10,7 @@
     <p:sldId id="258" r:id="rId4"/>
     <p:sldId id="259" r:id="rId5"/>
     <p:sldId id="267" r:id="rId6"/>
-    <p:sldId id="260" r:id="rId7"/>
+    <p:sldId id="268" r:id="rId7"/>
     <p:sldId id="261" r:id="rId8"/>
     <p:sldId id="262" r:id="rId9"/>
     <p:sldId id="263" r:id="rId10"/>
@@ -8602,10 +8602,78 @@
       </p:grpSpPr>
       <p:sp>
         <p:nvSpPr>
-          <p:cNvPr id="4" name="TextBox 3">
+          <p:cNvPr id="2" name="Title 1">
             <a:extLst>
               <a:ext uri="{FF2B5EF4-FFF2-40B4-BE49-F238E27FC236}">
-                <a16:creationId xmlns:a16="http://schemas.microsoft.com/office/drawing/2014/main" id="{C4D4D348-1D74-474E-8A35-CB37C82E6C42}"/>
+                <a16:creationId xmlns:a16="http://schemas.microsoft.com/office/drawing/2014/main" id="{0AED2149-B700-E08F-80EF-C5C174C2E7FD}"/>
+              </a:ext>
+            </a:extLst>
+          </p:cNvPr>
+          <p:cNvSpPr>
+            <a:spLocks noGrp="1"/>
+          </p:cNvSpPr>
+          <p:nvPr>
+            <p:ph type="title"/>
+          </p:nvPr>
+        </p:nvSpPr>
+        <p:spPr>
+          <a:xfrm>
+            <a:off x="216545" y="196417"/>
+            <a:ext cx="7704445" cy="900863"/>
+          </a:xfrm>
+        </p:spPr>
+        <p:txBody>
+          <a:bodyPr>
+            <a:noAutofit/>
+          </a:bodyPr>
+          <a:lstStyle/>
+          <a:p>
+            <a:br>
+              <a:rPr lang="en-IN" b="1" dirty="0"/>
+            </a:br>
+            <a:r>
+              <a:rPr lang="en-IN" b="1" dirty="0"/>
+              <a:t>Yolov3 object detection process </a:t>
+            </a:r>
+          </a:p>
+        </p:txBody>
+      </p:sp>
+      <p:pic>
+        <p:nvPicPr>
+          <p:cNvPr id="7" name="Picture 6">
+            <a:extLst>
+              <a:ext uri="{FF2B5EF4-FFF2-40B4-BE49-F238E27FC236}">
+                <a16:creationId xmlns:a16="http://schemas.microsoft.com/office/drawing/2014/main" id="{BC59E0F8-CE68-5335-76BC-7F32D6093998}"/>
+              </a:ext>
+            </a:extLst>
+          </p:cNvPr>
+          <p:cNvPicPr>
+            <a:picLocks noChangeAspect="1"/>
+          </p:cNvPicPr>
+          <p:nvPr/>
+        </p:nvPicPr>
+        <p:blipFill>
+          <a:blip r:embed="rId2"/>
+          <a:stretch>
+            <a:fillRect/>
+          </a:stretch>
+        </p:blipFill>
+        <p:spPr>
+          <a:xfrm>
+            <a:off x="216545" y="1411205"/>
+            <a:ext cx="7280994" cy="4035589"/>
+          </a:xfrm>
+          <a:prstGeom prst="rect">
+            <a:avLst/>
+          </a:prstGeom>
+        </p:spPr>
+      </p:pic>
+      <p:sp>
+        <p:nvSpPr>
+          <p:cNvPr id="10" name="TextBox 9">
+            <a:extLst>
+              <a:ext uri="{FF2B5EF4-FFF2-40B4-BE49-F238E27FC236}">
+                <a16:creationId xmlns:a16="http://schemas.microsoft.com/office/drawing/2014/main" id="{14482A63-3EA1-2E83-B51D-43F32E9406EC}"/>
               </a:ext>
             </a:extLst>
           </p:cNvPr>
@@ -8614,8 +8682,8 @@
         </p:nvSpPr>
         <p:spPr>
           <a:xfrm>
-            <a:off x="537210" y="918686"/>
-            <a:ext cx="10447020" cy="4524315"/>
+            <a:off x="7712393" y="988867"/>
+            <a:ext cx="4263062" cy="5632311"/>
           </a:xfrm>
           <a:prstGeom prst="rect">
             <a:avLst/>
@@ -8628,26 +8696,17 @@
           </a:bodyPr>
           <a:lstStyle/>
           <a:p>
-            <a:r>
-              <a:rPr lang="en-US" sz="3200" b="1" i="1" dirty="0"/>
-              <a:t>Python Libraries</a:t>
-            </a:r>
-          </a:p>
-          <a:p>
-            <a:endParaRPr lang="en-US" sz="3200" i="1" dirty="0"/>
-          </a:p>
-          <a:p>
             <a:pPr>
               <a:buFont typeface="Arial" panose="020B0604020202020204" pitchFamily="34" charset="0"/>
               <a:buChar char="•"/>
             </a:pPr>
             <a:r>
-              <a:rPr lang="en-US" sz="3200" i="1" dirty="0" err="1"/>
-              <a:t>pytesseract</a:t>
-            </a:r>
-            <a:r>
-              <a:rPr lang="en-US" sz="3200" i="1" dirty="0"/>
-              <a:t>: For OCR processing.</a:t>
+              <a:rPr lang="en-US" sz="2000" b="1" dirty="0"/>
+              <a:t>Step1</a:t>
+            </a:r>
+            <a:r>
+              <a:rPr lang="en-US" sz="2000" dirty="0"/>
+              <a:t>: The image is divided into a grid.</a:t>
             </a:r>
           </a:p>
           <a:p>
@@ -8655,7 +8714,14 @@
               <a:buFont typeface="Arial" panose="020B0604020202020204" pitchFamily="34" charset="0"/>
               <a:buChar char="•"/>
             </a:pPr>
-            <a:endParaRPr lang="en-US" sz="3200" i="1" dirty="0"/>
+            <a:r>
+              <a:rPr lang="en-US" sz="2000" b="1" dirty="0"/>
+              <a:t>Step 2</a:t>
+            </a:r>
+            <a:r>
+              <a:rPr lang="en-US" sz="2000" dirty="0"/>
+              <a:t>: Each cell predicts bounding boxes and confidence scores.</a:t>
+            </a:r>
           </a:p>
           <a:p>
             <a:pPr>
@@ -8663,12 +8729,12 @@
               <a:buChar char="•"/>
             </a:pPr>
             <a:r>
-              <a:rPr lang="en-US" sz="3200" i="1" dirty="0" err="1"/>
-              <a:t>fuzzywuzzy</a:t>
-            </a:r>
-            <a:r>
-              <a:rPr lang="en-US" sz="3200" i="1" dirty="0"/>
-              <a:t>: For matching detected words to known test names/units.</a:t>
+              <a:rPr lang="en-US" sz="2000" b="1" dirty="0"/>
+              <a:t>Step 3</a:t>
+            </a:r>
+            <a:r>
+              <a:rPr lang="en-US" sz="2000" dirty="0"/>
+              <a:t>: Class probabilities are calculated for each bounding box.</a:t>
             </a:r>
           </a:p>
           <a:p>
@@ -8676,7 +8742,26 @@
               <a:buFont typeface="Arial" panose="020B0604020202020204" pitchFamily="34" charset="0"/>
               <a:buChar char="•"/>
             </a:pPr>
-            <a:endParaRPr lang="en-US" sz="3200" i="1" dirty="0"/>
+            <a:r>
+              <a:rPr lang="en-US" sz="2000" b="1" dirty="0"/>
+              <a:t>Step 4</a:t>
+            </a:r>
+            <a:r>
+              <a:rPr lang="en-US" sz="2000" dirty="0"/>
+              <a:t>: Final bounding boxes are determined, and overlapping ones are suppressed using NMS.</a:t>
+            </a:r>
+          </a:p>
+          <a:p>
+            <a:endParaRPr lang="en-US" sz="1400" b="1" dirty="0"/>
+          </a:p>
+          <a:p>
+            <a:r>
+              <a:rPr lang="en-US" sz="2000" b="1" dirty="0"/>
+              <a:t>In the example image:</a:t>
+            </a:r>
+          </a:p>
+          <a:p>
+            <a:endParaRPr lang="en-US" sz="1400" dirty="0"/>
           </a:p>
           <a:p>
             <a:pPr>
@@ -8684,197 +8769,42 @@
               <a:buChar char="•"/>
             </a:pPr>
             <a:r>
-              <a:rPr lang="en-US" sz="3200" i="1" dirty="0"/>
-              <a:t>pandas: For data manipulation and CSV export.</a:t>
-            </a:r>
-          </a:p>
-          <a:p>
-            <a:endParaRPr lang="en-US" sz="3200" i="1" dirty="0"/>
+              <a:rPr lang="en-US" sz="2000" dirty="0"/>
+              <a:t>The grid cells predicted bounding boxes for the dog, bicycle, and car.</a:t>
+            </a:r>
+          </a:p>
+          <a:p>
+            <a:pPr>
+              <a:buFont typeface="Arial" panose="020B0604020202020204" pitchFamily="34" charset="0"/>
+              <a:buChar char="•"/>
+            </a:pPr>
+            <a:r>
+              <a:rPr lang="en-US" sz="2000" dirty="0"/>
+              <a:t>Confidence scores and class probabilities were used to decide the final detections.</a:t>
+            </a:r>
+          </a:p>
+          <a:p>
+            <a:pPr>
+              <a:buFont typeface="Arial" panose="020B0604020202020204" pitchFamily="34" charset="0"/>
+              <a:buChar char="•"/>
+            </a:pPr>
+            <a:r>
+              <a:rPr lang="en-US" sz="2000" dirty="0"/>
+              <a:t>Each detected object (dog, bike, car) is outlined with a colored box</a:t>
+            </a:r>
           </a:p>
         </p:txBody>
       </p:sp>
     </p:spTree>
     <p:extLst>
       <p:ext uri="{BB962C8B-B14F-4D97-AF65-F5344CB8AC3E}">
-        <p14:creationId xmlns:p14="http://schemas.microsoft.com/office/powerpoint/2010/main" val="994765352"/>
+        <p14:creationId xmlns:p14="http://schemas.microsoft.com/office/powerpoint/2010/main" val="1548821332"/>
       </p:ext>
     </p:extLst>
   </p:cSld>
   <p:clrMapOvr>
     <a:masterClrMapping/>
   </p:clrMapOvr>
-  <p:timing>
-    <p:tnLst>
-      <p:par>
-        <p:cTn id="1" dur="indefinite" restart="never" nodeType="tmRoot">
-          <p:childTnLst>
-            <p:seq concurrent="1" nextAc="seek">
-              <p:cTn id="2" dur="indefinite" nodeType="mainSeq">
-                <p:childTnLst>
-                  <p:par>
-                    <p:cTn id="3" fill="hold">
-                      <p:stCondLst>
-                        <p:cond delay="indefinite"/>
-                      </p:stCondLst>
-                      <p:childTnLst>
-                        <p:par>
-                          <p:cTn id="4" fill="hold">
-                            <p:stCondLst>
-                              <p:cond delay="0"/>
-                            </p:stCondLst>
-                            <p:childTnLst>
-                              <p:par>
-                                <p:cTn id="5" presetID="1" presetClass="entr" presetSubtype="0" fill="hold" nodeType="clickEffect">
-                                  <p:stCondLst>
-                                    <p:cond delay="0"/>
-                                  </p:stCondLst>
-                                  <p:childTnLst>
-                                    <p:set>
-                                      <p:cBhvr>
-                                        <p:cTn id="6" dur="1" fill="hold">
-                                          <p:stCondLst>
-                                            <p:cond delay="0"/>
-                                          </p:stCondLst>
-                                        </p:cTn>
-                                        <p:tgtEl>
-                                          <p:spTgt spid="4">
-                                            <p:txEl>
-                                              <p:pRg st="0" end="0"/>
-                                            </p:txEl>
-                                          </p:spTgt>
-                                        </p:tgtEl>
-                                        <p:attrNameLst>
-                                          <p:attrName>style.visibility</p:attrName>
-                                        </p:attrNameLst>
-                                      </p:cBhvr>
-                                      <p:to>
-                                        <p:strVal val="visible"/>
-                                      </p:to>
-                                    </p:set>
-                                  </p:childTnLst>
-                                </p:cTn>
-                              </p:par>
-                              <p:par>
-                                <p:cTn id="7" presetID="1" presetClass="entr" presetSubtype="0" fill="hold" nodeType="withEffect">
-                                  <p:stCondLst>
-                                    <p:cond delay="0"/>
-                                  </p:stCondLst>
-                                  <p:childTnLst>
-                                    <p:set>
-                                      <p:cBhvr>
-                                        <p:cTn id="8" dur="1" fill="hold">
-                                          <p:stCondLst>
-                                            <p:cond delay="0"/>
-                                          </p:stCondLst>
-                                        </p:cTn>
-                                        <p:tgtEl>
-                                          <p:spTgt spid="4">
-                                            <p:txEl>
-                                              <p:pRg st="2" end="2"/>
-                                            </p:txEl>
-                                          </p:spTgt>
-                                        </p:tgtEl>
-                                        <p:attrNameLst>
-                                          <p:attrName>style.visibility</p:attrName>
-                                        </p:attrNameLst>
-                                      </p:cBhvr>
-                                      <p:to>
-                                        <p:strVal val="visible"/>
-                                      </p:to>
-                                    </p:set>
-                                  </p:childTnLst>
-                                </p:cTn>
-                              </p:par>
-                              <p:par>
-                                <p:cTn id="9" presetID="1" presetClass="entr" presetSubtype="0" fill="hold" nodeType="withEffect">
-                                  <p:stCondLst>
-                                    <p:cond delay="0"/>
-                                  </p:stCondLst>
-                                  <p:childTnLst>
-                                    <p:set>
-                                      <p:cBhvr>
-                                        <p:cTn id="10" dur="1" fill="hold">
-                                          <p:stCondLst>
-                                            <p:cond delay="0"/>
-                                          </p:stCondLst>
-                                        </p:cTn>
-                                        <p:tgtEl>
-                                          <p:spTgt spid="4">
-                                            <p:txEl>
-                                              <p:pRg st="4" end="4"/>
-                                            </p:txEl>
-                                          </p:spTgt>
-                                        </p:tgtEl>
-                                        <p:attrNameLst>
-                                          <p:attrName>style.visibility</p:attrName>
-                                        </p:attrNameLst>
-                                      </p:cBhvr>
-                                      <p:to>
-                                        <p:strVal val="visible"/>
-                                      </p:to>
-                                    </p:set>
-                                  </p:childTnLst>
-                                </p:cTn>
-                              </p:par>
-                              <p:par>
-                                <p:cTn id="11" presetID="1" presetClass="entr" presetSubtype="0" fill="hold" nodeType="withEffect">
-                                  <p:stCondLst>
-                                    <p:cond delay="0"/>
-                                  </p:stCondLst>
-                                  <p:childTnLst>
-                                    <p:set>
-                                      <p:cBhvr>
-                                        <p:cTn id="12" dur="1" fill="hold">
-                                          <p:stCondLst>
-                                            <p:cond delay="0"/>
-                                          </p:stCondLst>
-                                        </p:cTn>
-                                        <p:tgtEl>
-                                          <p:spTgt spid="4">
-                                            <p:txEl>
-                                              <p:pRg st="6" end="6"/>
-                                            </p:txEl>
-                                          </p:spTgt>
-                                        </p:tgtEl>
-                                        <p:attrNameLst>
-                                          <p:attrName>style.visibility</p:attrName>
-                                        </p:attrNameLst>
-                                      </p:cBhvr>
-                                      <p:to>
-                                        <p:strVal val="visible"/>
-                                      </p:to>
-                                    </p:set>
-                                  </p:childTnLst>
-                                </p:cTn>
-                              </p:par>
-                            </p:childTnLst>
-                          </p:cTn>
-                        </p:par>
-                      </p:childTnLst>
-                    </p:cTn>
-                  </p:par>
-                </p:childTnLst>
-              </p:cTn>
-              <p:prevCondLst>
-                <p:cond evt="onPrev" delay="0">
-                  <p:tgtEl>
-                    <p:sldTgt/>
-                  </p:tgtEl>
-                </p:cond>
-              </p:prevCondLst>
-              <p:nextCondLst>
-                <p:cond evt="onNext" delay="0">
-                  <p:tgtEl>
-                    <p:sldTgt/>
-                  </p:tgtEl>
-                </p:cond>
-              </p:nextCondLst>
-            </p:seq>
-          </p:childTnLst>
-        </p:cTn>
-      </p:par>
-    </p:tnLst>
-  </p:timing>
 </p:sld>
 </file>
 

--- a/OCR_Project/Project _10_AWS.pptx
+++ b/OCR_Project/Project _10_AWS.pptx
@@ -304,7 +304,7 @@
           <a:p>
             <a:fld id="{451C6312-3BC7-4381-BECD-7D23415C0CC9}" type="datetimeFigureOut">
               <a:rPr lang="en-IN" smtClean="0"/>
-              <a:t>02-10-2024</a:t>
+              <a:t>03-10-2024</a:t>
             </a:fld>
             <a:endParaRPr lang="en-IN"/>
           </a:p>
@@ -619,7 +619,7 @@
           <a:p>
             <a:fld id="{451C6312-3BC7-4381-BECD-7D23415C0CC9}" type="datetimeFigureOut">
               <a:rPr lang="en-IN" smtClean="0"/>
-              <a:t>02-10-2024</a:t>
+              <a:t>03-10-2024</a:t>
             </a:fld>
             <a:endParaRPr lang="en-IN"/>
           </a:p>
@@ -841,7 +841,7 @@
           <a:p>
             <a:fld id="{451C6312-3BC7-4381-BECD-7D23415C0CC9}" type="datetimeFigureOut">
               <a:rPr lang="en-IN" smtClean="0"/>
-              <a:t>02-10-2024</a:t>
+              <a:t>03-10-2024</a:t>
             </a:fld>
             <a:endParaRPr lang="en-IN"/>
           </a:p>
@@ -1132,7 +1132,7 @@
           <a:p>
             <a:fld id="{451C6312-3BC7-4381-BECD-7D23415C0CC9}" type="datetimeFigureOut">
               <a:rPr lang="en-IN" smtClean="0"/>
-              <a:t>02-10-2024</a:t>
+              <a:t>03-10-2024</a:t>
             </a:fld>
             <a:endParaRPr lang="en-IN"/>
           </a:p>
@@ -1586,7 +1586,7 @@
           <a:p>
             <a:fld id="{451C6312-3BC7-4381-BECD-7D23415C0CC9}" type="datetimeFigureOut">
               <a:rPr lang="en-IN" smtClean="0"/>
-              <a:t>02-10-2024</a:t>
+              <a:t>03-10-2024</a:t>
             </a:fld>
             <a:endParaRPr lang="en-IN"/>
           </a:p>
@@ -2162,7 +2162,7 @@
           <a:p>
             <a:fld id="{451C6312-3BC7-4381-BECD-7D23415C0CC9}" type="datetimeFigureOut">
               <a:rPr lang="en-IN" smtClean="0"/>
-              <a:t>02-10-2024</a:t>
+              <a:t>03-10-2024</a:t>
             </a:fld>
             <a:endParaRPr lang="en-IN"/>
           </a:p>
@@ -3023,7 +3023,7 @@
           <a:p>
             <a:fld id="{451C6312-3BC7-4381-BECD-7D23415C0CC9}" type="datetimeFigureOut">
               <a:rPr lang="en-IN" smtClean="0"/>
-              <a:t>02-10-2024</a:t>
+              <a:t>03-10-2024</a:t>
             </a:fld>
             <a:endParaRPr lang="en-IN"/>
           </a:p>
@@ -3228,7 +3228,7 @@
           <a:p>
             <a:fld id="{451C6312-3BC7-4381-BECD-7D23415C0CC9}" type="datetimeFigureOut">
               <a:rPr lang="en-IN" smtClean="0"/>
-              <a:t>02-10-2024</a:t>
+              <a:t>03-10-2024</a:t>
             </a:fld>
             <a:endParaRPr lang="en-IN"/>
           </a:p>
@@ -3442,7 +3442,7 @@
           <a:p>
             <a:fld id="{451C6312-3BC7-4381-BECD-7D23415C0CC9}" type="datetimeFigureOut">
               <a:rPr lang="en-IN" smtClean="0"/>
-              <a:t>02-10-2024</a:t>
+              <a:t>03-10-2024</a:t>
             </a:fld>
             <a:endParaRPr lang="en-IN"/>
           </a:p>
@@ -3612,7 +3612,7 @@
           <a:p>
             <a:fld id="{451C6312-3BC7-4381-BECD-7D23415C0CC9}" type="datetimeFigureOut">
               <a:rPr lang="en-IN" smtClean="0"/>
-              <a:t>02-10-2024</a:t>
+              <a:t>03-10-2024</a:t>
             </a:fld>
             <a:endParaRPr lang="en-IN"/>
           </a:p>
@@ -3817,7 +3817,7 @@
           <a:p>
             <a:fld id="{451C6312-3BC7-4381-BECD-7D23415C0CC9}" type="datetimeFigureOut">
               <a:rPr lang="en-IN" smtClean="0"/>
-              <a:t>02-10-2024</a:t>
+              <a:t>03-10-2024</a:t>
             </a:fld>
             <a:endParaRPr lang="en-IN"/>
           </a:p>
@@ -4097,7 +4097,7 @@
           <a:p>
             <a:fld id="{451C6312-3BC7-4381-BECD-7D23415C0CC9}" type="datetimeFigureOut">
               <a:rPr lang="en-IN" smtClean="0"/>
-              <a:t>02-10-2024</a:t>
+              <a:t>03-10-2024</a:t>
             </a:fld>
             <a:endParaRPr lang="en-IN"/>
           </a:p>
@@ -4364,7 +4364,7 @@
           <a:p>
             <a:fld id="{451C6312-3BC7-4381-BECD-7D23415C0CC9}" type="datetimeFigureOut">
               <a:rPr lang="en-IN" smtClean="0"/>
-              <a:t>02-10-2024</a:t>
+              <a:t>03-10-2024</a:t>
             </a:fld>
             <a:endParaRPr lang="en-IN"/>
           </a:p>
@@ -4779,7 +4779,7 @@
           <a:p>
             <a:fld id="{451C6312-3BC7-4381-BECD-7D23415C0CC9}" type="datetimeFigureOut">
               <a:rPr lang="en-IN" smtClean="0"/>
-              <a:t>02-10-2024</a:t>
+              <a:t>03-10-2024</a:t>
             </a:fld>
             <a:endParaRPr lang="en-IN"/>
           </a:p>
@@ -4927,7 +4927,7 @@
           <a:p>
             <a:fld id="{451C6312-3BC7-4381-BECD-7D23415C0CC9}" type="datetimeFigureOut">
               <a:rPr lang="en-IN" smtClean="0"/>
-              <a:t>02-10-2024</a:t>
+              <a:t>03-10-2024</a:t>
             </a:fld>
             <a:endParaRPr lang="en-IN"/>
           </a:p>
@@ -5052,7 +5052,7 @@
           <a:p>
             <a:fld id="{451C6312-3BC7-4381-BECD-7D23415C0CC9}" type="datetimeFigureOut">
               <a:rPr lang="en-IN" smtClean="0"/>
-              <a:t>02-10-2024</a:t>
+              <a:t>03-10-2024</a:t>
             </a:fld>
             <a:endParaRPr lang="en-IN"/>
           </a:p>
@@ -5331,7 +5331,7 @@
           <a:p>
             <a:fld id="{451C6312-3BC7-4381-BECD-7D23415C0CC9}" type="datetimeFigureOut">
               <a:rPr lang="en-IN" smtClean="0"/>
-              <a:t>02-10-2024</a:t>
+              <a:t>03-10-2024</a:t>
             </a:fld>
             <a:endParaRPr lang="en-IN"/>
           </a:p>
@@ -5646,7 +5646,7 @@
           <a:p>
             <a:fld id="{451C6312-3BC7-4381-BECD-7D23415C0CC9}" type="datetimeFigureOut">
               <a:rPr lang="en-IN" smtClean="0"/>
-              <a:t>02-10-2024</a:t>
+              <a:t>03-10-2024</a:t>
             </a:fld>
             <a:endParaRPr lang="en-IN"/>
           </a:p>
@@ -5899,7 +5899,7 @@
           <a:p>
             <a:fld id="{451C6312-3BC7-4381-BECD-7D23415C0CC9}" type="datetimeFigureOut">
               <a:rPr lang="en-IN" smtClean="0"/>
-              <a:t>02-10-2024</a:t>
+              <a:t>03-10-2024</a:t>
             </a:fld>
             <a:endParaRPr lang="en-IN"/>
           </a:p>

--- a/OCR_Project/Project _10_AWS.pptx
+++ b/OCR_Project/Project _10_AWS.pptx
@@ -12,10 +12,8 @@
     <p:sldId id="267" r:id="rId6"/>
     <p:sldId id="268" r:id="rId7"/>
     <p:sldId id="261" r:id="rId8"/>
-    <p:sldId id="262" r:id="rId9"/>
-    <p:sldId id="263" r:id="rId10"/>
-    <p:sldId id="264" r:id="rId11"/>
-    <p:sldId id="265" r:id="rId12"/>
+    <p:sldId id="264" r:id="rId9"/>
+    <p:sldId id="265" r:id="rId10"/>
   </p:sldIdLst>
   <p:sldSz cx="12192000" cy="6858000"/>
   <p:notesSz cx="6858000" cy="9144000"/>
@@ -6548,495 +6546,6 @@
 </p:sld>
 </file>
 
-<file path=ppt/slides/slide10.xml><?xml version="1.0" encoding="utf-8"?>
-<p:sld xmlns:a="http://schemas.openxmlformats.org/drawingml/2006/main" xmlns:r="http://schemas.openxmlformats.org/officeDocument/2006/relationships" xmlns:p="http://schemas.openxmlformats.org/presentationml/2006/main">
-  <p:cSld>
-    <p:spTree>
-      <p:nvGrpSpPr>
-        <p:cNvPr id="1" name=""/>
-        <p:cNvGrpSpPr/>
-        <p:nvPr/>
-      </p:nvGrpSpPr>
-      <p:grpSpPr>
-        <a:xfrm>
-          <a:off x="0" y="0"/>
-          <a:ext cx="0" cy="0"/>
-          <a:chOff x="0" y="0"/>
-          <a:chExt cx="0" cy="0"/>
-        </a:xfrm>
-      </p:grpSpPr>
-      <p:sp>
-        <p:nvSpPr>
-          <p:cNvPr id="4" name="TextBox 3">
-            <a:extLst>
-              <a:ext uri="{FF2B5EF4-FFF2-40B4-BE49-F238E27FC236}">
-                <a16:creationId xmlns:a16="http://schemas.microsoft.com/office/drawing/2014/main" id="{0612DEC1-BF05-C18A-3A67-87D4BC513901}"/>
-              </a:ext>
-            </a:extLst>
-          </p:cNvPr>
-          <p:cNvSpPr txBox="1"/>
-          <p:nvPr/>
-        </p:nvSpPr>
-        <p:spPr>
-          <a:xfrm>
-            <a:off x="1585913" y="457468"/>
-            <a:ext cx="6097904" cy="5509200"/>
-          </a:xfrm>
-          <a:prstGeom prst="rect">
-            <a:avLst/>
-          </a:prstGeom>
-          <a:noFill/>
-        </p:spPr>
-        <p:txBody>
-          <a:bodyPr wrap="square">
-            <a:spAutoFit/>
-          </a:bodyPr>
-          <a:lstStyle/>
-          <a:p>
-            <a:r>
-              <a:rPr lang="en-US" sz="3200" b="1" dirty="0"/>
-              <a:t>Results and Conclusion</a:t>
-            </a:r>
-          </a:p>
-          <a:p>
-            <a:pPr>
-              <a:buFont typeface="Arial" panose="020B0604020202020204" pitchFamily="34" charset="0"/>
-              <a:buChar char="•"/>
-            </a:pPr>
-            <a:r>
-              <a:rPr lang="en-US" sz="3200" b="1" dirty="0"/>
-              <a:t>Results</a:t>
-            </a:r>
-            <a:r>
-              <a:rPr lang="en-US" sz="3200" dirty="0"/>
-              <a:t>:</a:t>
-            </a:r>
-            <a:br>
-              <a:rPr lang="en-US" sz="3200" dirty="0"/>
-            </a:br>
-            <a:r>
-              <a:rPr lang="en-US" sz="3200" dirty="0"/>
-              <a:t>Successfully extracted and categorized data from lab reports.</a:t>
-            </a:r>
-          </a:p>
-          <a:p>
-            <a:pPr marL="742950" lvl="1" indent="-285750">
-              <a:buFont typeface="Arial" panose="020B0604020202020204" pitchFamily="34" charset="0"/>
-              <a:buChar char="•"/>
-            </a:pPr>
-            <a:r>
-              <a:rPr lang="en-US" sz="3200" dirty="0"/>
-              <a:t>Exported results as CSV.</a:t>
-            </a:r>
-          </a:p>
-          <a:p>
-            <a:pPr marL="742950" lvl="1" indent="-285750">
-              <a:buFont typeface="Arial" panose="020B0604020202020204" pitchFamily="34" charset="0"/>
-              <a:buChar char="•"/>
-            </a:pPr>
-            <a:r>
-              <a:rPr lang="en-US" sz="3200" dirty="0"/>
-              <a:t>Visualized regions of interest in processed images.</a:t>
-            </a:r>
-          </a:p>
-          <a:p>
-            <a:pPr>
-              <a:buFont typeface="Arial" panose="020B0604020202020204" pitchFamily="34" charset="0"/>
-              <a:buChar char="•"/>
-            </a:pPr>
-            <a:r>
-              <a:rPr lang="en-US" sz="3200" b="1" dirty="0"/>
-              <a:t>Next Steps</a:t>
-            </a:r>
-            <a:r>
-              <a:rPr lang="en-US" sz="3200" dirty="0"/>
-              <a:t>:</a:t>
-            </a:r>
-          </a:p>
-          <a:p>
-            <a:pPr marL="742950" lvl="1" indent="-285750">
-              <a:buFont typeface="Arial" panose="020B0604020202020204" pitchFamily="34" charset="0"/>
-              <a:buChar char="•"/>
-            </a:pPr>
-            <a:r>
-              <a:rPr lang="en-US" sz="3200" dirty="0"/>
-              <a:t>Expand to more report types.</a:t>
-            </a:r>
-          </a:p>
-          <a:p>
-            <a:pPr marL="742950" lvl="1" indent="-285750">
-              <a:buFont typeface="Arial" panose="020B0604020202020204" pitchFamily="34" charset="0"/>
-              <a:buChar char="•"/>
-            </a:pPr>
-            <a:r>
-              <a:rPr lang="en-US" sz="3200" dirty="0"/>
-              <a:t>Improve fuzzy matching accuracy</a:t>
-            </a:r>
-            <a:r>
-              <a:rPr lang="en-US" dirty="0"/>
-              <a:t>.</a:t>
-            </a:r>
-          </a:p>
-        </p:txBody>
-      </p:sp>
-    </p:spTree>
-    <p:extLst>
-      <p:ext uri="{BB962C8B-B14F-4D97-AF65-F5344CB8AC3E}">
-        <p14:creationId xmlns:p14="http://schemas.microsoft.com/office/powerpoint/2010/main" val="782414008"/>
-      </p:ext>
-    </p:extLst>
-  </p:cSld>
-  <p:clrMapOvr>
-    <a:masterClrMapping/>
-  </p:clrMapOvr>
-  <p:timing>
-    <p:tnLst>
-      <p:par>
-        <p:cTn id="1" dur="indefinite" restart="never" nodeType="tmRoot">
-          <p:childTnLst>
-            <p:seq concurrent="1" nextAc="seek">
-              <p:cTn id="2" dur="indefinite" nodeType="mainSeq">
-                <p:childTnLst>
-                  <p:par>
-                    <p:cTn id="3" fill="hold">
-                      <p:stCondLst>
-                        <p:cond delay="indefinite"/>
-                      </p:stCondLst>
-                      <p:childTnLst>
-                        <p:par>
-                          <p:cTn id="4" fill="hold">
-                            <p:stCondLst>
-                              <p:cond delay="0"/>
-                            </p:stCondLst>
-                            <p:childTnLst>
-                              <p:par>
-                                <p:cTn id="5" presetID="1" presetClass="entr" presetSubtype="0" fill="hold" nodeType="clickEffect">
-                                  <p:stCondLst>
-                                    <p:cond delay="0"/>
-                                  </p:stCondLst>
-                                  <p:childTnLst>
-                                    <p:set>
-                                      <p:cBhvr>
-                                        <p:cTn id="6" dur="1" fill="hold">
-                                          <p:stCondLst>
-                                            <p:cond delay="0"/>
-                                          </p:stCondLst>
-                                        </p:cTn>
-                                        <p:tgtEl>
-                                          <p:spTgt spid="4">
-                                            <p:txEl>
-                                              <p:pRg st="0" end="0"/>
-                                            </p:txEl>
-                                          </p:spTgt>
-                                        </p:tgtEl>
-                                        <p:attrNameLst>
-                                          <p:attrName>style.visibility</p:attrName>
-                                        </p:attrNameLst>
-                                      </p:cBhvr>
-                                      <p:to>
-                                        <p:strVal val="visible"/>
-                                      </p:to>
-                                    </p:set>
-                                  </p:childTnLst>
-                                </p:cTn>
-                              </p:par>
-                              <p:par>
-                                <p:cTn id="7" presetID="1" presetClass="entr" presetSubtype="0" fill="hold" nodeType="withEffect">
-                                  <p:stCondLst>
-                                    <p:cond delay="0"/>
-                                  </p:stCondLst>
-                                  <p:childTnLst>
-                                    <p:set>
-                                      <p:cBhvr>
-                                        <p:cTn id="8" dur="1" fill="hold">
-                                          <p:stCondLst>
-                                            <p:cond delay="0"/>
-                                          </p:stCondLst>
-                                        </p:cTn>
-                                        <p:tgtEl>
-                                          <p:spTgt spid="4">
-                                            <p:txEl>
-                                              <p:pRg st="1" end="1"/>
-                                            </p:txEl>
-                                          </p:spTgt>
-                                        </p:tgtEl>
-                                        <p:attrNameLst>
-                                          <p:attrName>style.visibility</p:attrName>
-                                        </p:attrNameLst>
-                                      </p:cBhvr>
-                                      <p:to>
-                                        <p:strVal val="visible"/>
-                                      </p:to>
-                                    </p:set>
-                                  </p:childTnLst>
-                                </p:cTn>
-                              </p:par>
-                              <p:par>
-                                <p:cTn id="9" presetID="1" presetClass="entr" presetSubtype="0" fill="hold" nodeType="withEffect">
-                                  <p:stCondLst>
-                                    <p:cond delay="0"/>
-                                  </p:stCondLst>
-                                  <p:childTnLst>
-                                    <p:set>
-                                      <p:cBhvr>
-                                        <p:cTn id="10" dur="1" fill="hold">
-                                          <p:stCondLst>
-                                            <p:cond delay="0"/>
-                                          </p:stCondLst>
-                                        </p:cTn>
-                                        <p:tgtEl>
-                                          <p:spTgt spid="4">
-                                            <p:txEl>
-                                              <p:pRg st="2" end="2"/>
-                                            </p:txEl>
-                                          </p:spTgt>
-                                        </p:tgtEl>
-                                        <p:attrNameLst>
-                                          <p:attrName>style.visibility</p:attrName>
-                                        </p:attrNameLst>
-                                      </p:cBhvr>
-                                      <p:to>
-                                        <p:strVal val="visible"/>
-                                      </p:to>
-                                    </p:set>
-                                  </p:childTnLst>
-                                </p:cTn>
-                              </p:par>
-                              <p:par>
-                                <p:cTn id="11" presetID="1" presetClass="entr" presetSubtype="0" fill="hold" nodeType="withEffect">
-                                  <p:stCondLst>
-                                    <p:cond delay="0"/>
-                                  </p:stCondLst>
-                                  <p:childTnLst>
-                                    <p:set>
-                                      <p:cBhvr>
-                                        <p:cTn id="12" dur="1" fill="hold">
-                                          <p:stCondLst>
-                                            <p:cond delay="0"/>
-                                          </p:stCondLst>
-                                        </p:cTn>
-                                        <p:tgtEl>
-                                          <p:spTgt spid="4">
-                                            <p:txEl>
-                                              <p:pRg st="3" end="3"/>
-                                            </p:txEl>
-                                          </p:spTgt>
-                                        </p:tgtEl>
-                                        <p:attrNameLst>
-                                          <p:attrName>style.visibility</p:attrName>
-                                        </p:attrNameLst>
-                                      </p:cBhvr>
-                                      <p:to>
-                                        <p:strVal val="visible"/>
-                                      </p:to>
-                                    </p:set>
-                                  </p:childTnLst>
-                                </p:cTn>
-                              </p:par>
-                              <p:par>
-                                <p:cTn id="13" presetID="1" presetClass="entr" presetSubtype="0" fill="hold" nodeType="withEffect">
-                                  <p:stCondLst>
-                                    <p:cond delay="0"/>
-                                  </p:stCondLst>
-                                  <p:childTnLst>
-                                    <p:set>
-                                      <p:cBhvr>
-                                        <p:cTn id="14" dur="1" fill="hold">
-                                          <p:stCondLst>
-                                            <p:cond delay="0"/>
-                                          </p:stCondLst>
-                                        </p:cTn>
-                                        <p:tgtEl>
-                                          <p:spTgt spid="4">
-                                            <p:txEl>
-                                              <p:pRg st="4" end="4"/>
-                                            </p:txEl>
-                                          </p:spTgt>
-                                        </p:tgtEl>
-                                        <p:attrNameLst>
-                                          <p:attrName>style.visibility</p:attrName>
-                                        </p:attrNameLst>
-                                      </p:cBhvr>
-                                      <p:to>
-                                        <p:strVal val="visible"/>
-                                      </p:to>
-                                    </p:set>
-                                  </p:childTnLst>
-                                </p:cTn>
-                              </p:par>
-                              <p:par>
-                                <p:cTn id="15" presetID="1" presetClass="entr" presetSubtype="0" fill="hold" nodeType="withEffect">
-                                  <p:stCondLst>
-                                    <p:cond delay="0"/>
-                                  </p:stCondLst>
-                                  <p:childTnLst>
-                                    <p:set>
-                                      <p:cBhvr>
-                                        <p:cTn id="16" dur="1" fill="hold">
-                                          <p:stCondLst>
-                                            <p:cond delay="0"/>
-                                          </p:stCondLst>
-                                        </p:cTn>
-                                        <p:tgtEl>
-                                          <p:spTgt spid="4">
-                                            <p:txEl>
-                                              <p:pRg st="5" end="5"/>
-                                            </p:txEl>
-                                          </p:spTgt>
-                                        </p:tgtEl>
-                                        <p:attrNameLst>
-                                          <p:attrName>style.visibility</p:attrName>
-                                        </p:attrNameLst>
-                                      </p:cBhvr>
-                                      <p:to>
-                                        <p:strVal val="visible"/>
-                                      </p:to>
-                                    </p:set>
-                                  </p:childTnLst>
-                                </p:cTn>
-                              </p:par>
-                              <p:par>
-                                <p:cTn id="17" presetID="1" presetClass="entr" presetSubtype="0" fill="hold" nodeType="withEffect">
-                                  <p:stCondLst>
-                                    <p:cond delay="0"/>
-                                  </p:stCondLst>
-                                  <p:childTnLst>
-                                    <p:set>
-                                      <p:cBhvr>
-                                        <p:cTn id="18" dur="1" fill="hold">
-                                          <p:stCondLst>
-                                            <p:cond delay="0"/>
-                                          </p:stCondLst>
-                                        </p:cTn>
-                                        <p:tgtEl>
-                                          <p:spTgt spid="4">
-                                            <p:txEl>
-                                              <p:pRg st="6" end="6"/>
-                                            </p:txEl>
-                                          </p:spTgt>
-                                        </p:tgtEl>
-                                        <p:attrNameLst>
-                                          <p:attrName>style.visibility</p:attrName>
-                                        </p:attrNameLst>
-                                      </p:cBhvr>
-                                      <p:to>
-                                        <p:strVal val="visible"/>
-                                      </p:to>
-                                    </p:set>
-                                  </p:childTnLst>
-                                </p:cTn>
-                              </p:par>
-                            </p:childTnLst>
-                          </p:cTn>
-                        </p:par>
-                      </p:childTnLst>
-                    </p:cTn>
-                  </p:par>
-                </p:childTnLst>
-              </p:cTn>
-              <p:prevCondLst>
-                <p:cond evt="onPrev" delay="0">
-                  <p:tgtEl>
-                    <p:sldTgt/>
-                  </p:tgtEl>
-                </p:cond>
-              </p:prevCondLst>
-              <p:nextCondLst>
-                <p:cond evt="onNext" delay="0">
-                  <p:tgtEl>
-                    <p:sldTgt/>
-                  </p:tgtEl>
-                </p:cond>
-              </p:nextCondLst>
-            </p:seq>
-          </p:childTnLst>
-        </p:cTn>
-      </p:par>
-    </p:tnLst>
-  </p:timing>
-</p:sld>
-</file>
-
-<file path=ppt/slides/slide11.xml><?xml version="1.0" encoding="utf-8"?>
-<p:sld xmlns:a="http://schemas.openxmlformats.org/drawingml/2006/main" xmlns:r="http://schemas.openxmlformats.org/officeDocument/2006/relationships" xmlns:p="http://schemas.openxmlformats.org/presentationml/2006/main">
-  <p:cSld>
-    <p:spTree>
-      <p:nvGrpSpPr>
-        <p:cNvPr id="1" name=""/>
-        <p:cNvGrpSpPr/>
-        <p:nvPr/>
-      </p:nvGrpSpPr>
-      <p:grpSpPr>
-        <a:xfrm>
-          <a:off x="0" y="0"/>
-          <a:ext cx="0" cy="0"/>
-          <a:chOff x="0" y="0"/>
-          <a:chExt cx="0" cy="0"/>
-        </a:xfrm>
-      </p:grpSpPr>
-      <p:sp>
-        <p:nvSpPr>
-          <p:cNvPr id="2" name="Title 1">
-            <a:extLst>
-              <a:ext uri="{FF2B5EF4-FFF2-40B4-BE49-F238E27FC236}">
-                <a16:creationId xmlns:a16="http://schemas.microsoft.com/office/drawing/2014/main" id="{35D545B5-B40B-4DE7-D25E-1B66B6D14C2E}"/>
-              </a:ext>
-            </a:extLst>
-          </p:cNvPr>
-          <p:cNvSpPr>
-            <a:spLocks noGrp="1"/>
-          </p:cNvSpPr>
-          <p:nvPr>
-            <p:ph type="title"/>
-          </p:nvPr>
-        </p:nvSpPr>
-        <p:spPr/>
-        <p:txBody>
-          <a:bodyPr/>
-          <a:lstStyle/>
-          <a:p>
-            <a:endParaRPr lang="en-IN"/>
-          </a:p>
-        </p:txBody>
-      </p:sp>
-      <p:sp>
-        <p:nvSpPr>
-          <p:cNvPr id="3" name="Content Placeholder 2">
-            <a:extLst>
-              <a:ext uri="{FF2B5EF4-FFF2-40B4-BE49-F238E27FC236}">
-                <a16:creationId xmlns:a16="http://schemas.microsoft.com/office/drawing/2014/main" id="{D8C6C6C4-12BA-8F94-B343-7B2647618111}"/>
-              </a:ext>
-            </a:extLst>
-          </p:cNvPr>
-          <p:cNvSpPr>
-            <a:spLocks noGrp="1"/>
-          </p:cNvSpPr>
-          <p:nvPr>
-            <p:ph idx="1"/>
-          </p:nvPr>
-        </p:nvSpPr>
-        <p:spPr/>
-        <p:txBody>
-          <a:bodyPr/>
-          <a:lstStyle/>
-          <a:p>
-            <a:endParaRPr lang="en-IN"/>
-          </a:p>
-        </p:txBody>
-      </p:sp>
-    </p:spTree>
-    <p:extLst>
-      <p:ext uri="{BB962C8B-B14F-4D97-AF65-F5344CB8AC3E}">
-        <p14:creationId xmlns:p14="http://schemas.microsoft.com/office/powerpoint/2010/main" val="453544361"/>
-      </p:ext>
-    </p:extLst>
-  </p:cSld>
-  <p:clrMapOvr>
-    <a:masterClrMapping/>
-  </p:clrMapOvr>
-</p:sld>
-</file>
-
 <file path=ppt/slides/slide2.xml><?xml version="1.0" encoding="utf-8"?>
 <p:sld xmlns:a="http://schemas.openxmlformats.org/drawingml/2006/main" xmlns:r="http://schemas.openxmlformats.org/officeDocument/2006/relationships" xmlns:p="http://schemas.openxmlformats.org/presentationml/2006/main">
   <p:cSld>
@@ -8839,8 +8348,8 @@
         </p:nvSpPr>
         <p:spPr>
           <a:xfrm>
-            <a:off x="1688783" y="734467"/>
-            <a:ext cx="6097904" cy="4524315"/>
+            <a:off x="365760" y="382012"/>
+            <a:ext cx="11292840" cy="3046988"/>
           </a:xfrm>
           <a:prstGeom prst="rect">
             <a:avLst/>
@@ -8912,6 +8421,83 @@
             <a:r>
               <a:rPr lang="en-US" sz="3200" dirty="0"/>
               <a:t>: Perform fuzzy matching for detected words (test names, units).</a:t>
+            </a:r>
+          </a:p>
+        </p:txBody>
+      </p:sp>
+      <p:sp>
+        <p:nvSpPr>
+          <p:cNvPr id="2" name="TextBox 1">
+            <a:extLst>
+              <a:ext uri="{FF2B5EF4-FFF2-40B4-BE49-F238E27FC236}">
+                <a16:creationId xmlns:a16="http://schemas.microsoft.com/office/drawing/2014/main" id="{C5D00D20-1AFE-6302-39CE-AD13D055471B}"/>
+              </a:ext>
+            </a:extLst>
+          </p:cNvPr>
+          <p:cNvSpPr txBox="1"/>
+          <p:nvPr/>
+        </p:nvSpPr>
+        <p:spPr>
+          <a:xfrm>
+            <a:off x="365760" y="3615750"/>
+            <a:ext cx="10858500" cy="3046988"/>
+          </a:xfrm>
+          <a:prstGeom prst="rect">
+            <a:avLst/>
+          </a:prstGeom>
+          <a:noFill/>
+        </p:spPr>
+        <p:txBody>
+          <a:bodyPr wrap="square">
+            <a:spAutoFit/>
+          </a:bodyPr>
+          <a:lstStyle/>
+          <a:p>
+            <a:r>
+              <a:rPr lang="en-US" sz="3200" b="1" dirty="0"/>
+              <a:t>Data Output and Visualization</a:t>
+            </a:r>
+          </a:p>
+          <a:p>
+            <a:pPr>
+              <a:buFont typeface="Arial" panose="020B0604020202020204" pitchFamily="34" charset="0"/>
+              <a:buChar char="•"/>
+            </a:pPr>
+            <a:r>
+              <a:rPr lang="en-US" sz="3200" b="1" dirty="0"/>
+              <a:t>Output</a:t>
+            </a:r>
+            <a:r>
+              <a:rPr lang="en-US" sz="3200" dirty="0"/>
+              <a:t>:</a:t>
+            </a:r>
+            <a:br>
+              <a:rPr lang="en-US" sz="3200" dirty="0"/>
+            </a:br>
+            <a:r>
+              <a:rPr lang="en-US" sz="3200" dirty="0"/>
+              <a:t>Extracted information is saved into CSV files (test name, value, unit, reference range).</a:t>
+            </a:r>
+          </a:p>
+          <a:p>
+            <a:pPr>
+              <a:buFont typeface="Arial" panose="020B0604020202020204" pitchFamily="34" charset="0"/>
+              <a:buChar char="•"/>
+            </a:pPr>
+            <a:r>
+              <a:rPr lang="en-US" sz="3200" b="1" dirty="0"/>
+              <a:t>Visualization</a:t>
+            </a:r>
+            <a:r>
+              <a:rPr lang="en-US" sz="3200" dirty="0"/>
+              <a:t>:</a:t>
+            </a:r>
+            <a:br>
+              <a:rPr lang="en-US" sz="3200" dirty="0"/>
+            </a:br>
+            <a:r>
+              <a:rPr lang="en-US" sz="3200" dirty="0"/>
+              <a:t>Final processed image saved with bounding boxes for verification.</a:t>
             </a:r>
           </a:p>
         </p:txBody>
@@ -9107,6 +8693,117 @@
                       </p:childTnLst>
                     </p:cTn>
                   </p:par>
+                  <p:par>
+                    <p:cTn id="15" fill="hold">
+                      <p:stCondLst>
+                        <p:cond delay="indefinite"/>
+                      </p:stCondLst>
+                      <p:childTnLst>
+                        <p:par>
+                          <p:cTn id="16" fill="hold">
+                            <p:stCondLst>
+                              <p:cond delay="0"/>
+                            </p:stCondLst>
+                            <p:childTnLst>
+                              <p:par>
+                                <p:cTn id="17" presetID="1" presetClass="entr" presetSubtype="0" fill="hold" nodeType="clickEffect">
+                                  <p:stCondLst>
+                                    <p:cond delay="0"/>
+                                  </p:stCondLst>
+                                  <p:childTnLst>
+                                    <p:set>
+                                      <p:cBhvr>
+                                        <p:cTn id="18" dur="1" fill="hold">
+                                          <p:stCondLst>
+                                            <p:cond delay="0"/>
+                                          </p:stCondLst>
+                                        </p:cTn>
+                                        <p:tgtEl>
+                                          <p:spTgt spid="2">
+                                            <p:txEl>
+                                              <p:pRg st="0" end="0"/>
+                                            </p:txEl>
+                                          </p:spTgt>
+                                        </p:tgtEl>
+                                        <p:attrNameLst>
+                                          <p:attrName>style.visibility</p:attrName>
+                                        </p:attrNameLst>
+                                      </p:cBhvr>
+                                      <p:to>
+                                        <p:strVal val="visible"/>
+                                      </p:to>
+                                    </p:set>
+                                  </p:childTnLst>
+                                </p:cTn>
+                              </p:par>
+                              <p:par>
+                                <p:cTn id="19" presetID="1" presetClass="entr" presetSubtype="0" fill="hold" nodeType="withEffect">
+                                  <p:stCondLst>
+                                    <p:cond delay="0"/>
+                                  </p:stCondLst>
+                                  <p:childTnLst>
+                                    <p:set>
+                                      <p:cBhvr>
+                                        <p:cTn id="20" dur="1" fill="hold">
+                                          <p:stCondLst>
+                                            <p:cond delay="0"/>
+                                          </p:stCondLst>
+                                        </p:cTn>
+                                        <p:tgtEl>
+                                          <p:spTgt spid="2">
+                                            <p:txEl>
+                                              <p:pRg st="1" end="1"/>
+                                            </p:txEl>
+                                          </p:spTgt>
+                                        </p:tgtEl>
+                                        <p:attrNameLst>
+                                          <p:attrName>style.visibility</p:attrName>
+                                        </p:attrNameLst>
+                                      </p:cBhvr>
+                                      <p:to>
+                                        <p:strVal val="visible"/>
+                                      </p:to>
+                                    </p:set>
+                                  </p:childTnLst>
+                                </p:cTn>
+                              </p:par>
+                              <p:par>
+                                <p:cTn id="21" presetID="1" presetClass="entr" presetSubtype="0" fill="hold" nodeType="withEffect">
+                                  <p:stCondLst>
+                                    <p:cond delay="0"/>
+                                  </p:stCondLst>
+                                  <p:childTnLst>
+                                    <p:set>
+                                      <p:cBhvr>
+                                        <p:cTn id="22" dur="1" fill="hold">
+                                          <p:stCondLst>
+                                            <p:cond delay="0"/>
+                                          </p:stCondLst>
+                                        </p:cTn>
+                                        <p:tgtEl>
+                                          <p:spTgt spid="2">
+                                            <p:txEl>
+                                              <p:pRg st="2" end="2"/>
+                                            </p:txEl>
+                                          </p:spTgt>
+                                        </p:tgtEl>
+                                        <p:attrNameLst>
+                                          <p:attrName>style.visibility</p:attrName>
+                                        </p:attrNameLst>
+                                      </p:cBhvr>
+                                      <p:to>
+                                        <p:strVal val="visible"/>
+                                      </p:to>
+                                    </p:set>
+                                  </p:childTnLst>
+                                </p:cTn>
+                              </p:par>
+                            </p:childTnLst>
+                          </p:cTn>
+                        </p:par>
+                      </p:childTnLst>
+                    </p:cTn>
+                  </p:par>
                 </p:childTnLst>
               </p:cTn>
               <p:prevCondLst>
@@ -9151,10 +8848,10 @@
       </p:grpSpPr>
       <p:sp>
         <p:nvSpPr>
-          <p:cNvPr id="3" name="TextBox 2">
+          <p:cNvPr id="4" name="TextBox 3">
             <a:extLst>
               <a:ext uri="{FF2B5EF4-FFF2-40B4-BE49-F238E27FC236}">
-                <a16:creationId xmlns:a16="http://schemas.microsoft.com/office/drawing/2014/main" id="{47713AAA-A7BB-1AD6-37E4-3156A139C09B}"/>
+                <a16:creationId xmlns:a16="http://schemas.microsoft.com/office/drawing/2014/main" id="{0612DEC1-BF05-C18A-3A67-87D4BC513901}"/>
               </a:ext>
             </a:extLst>
           </p:cNvPr>
@@ -9163,8 +8860,8 @@
         </p:nvSpPr>
         <p:spPr>
           <a:xfrm>
-            <a:off x="1357313" y="698838"/>
-            <a:ext cx="6097904" cy="4031873"/>
+            <a:off x="1585913" y="457468"/>
+            <a:ext cx="6097904" cy="5509200"/>
           </a:xfrm>
           <a:prstGeom prst="rect">
             <a:avLst/>
@@ -9179,7 +8876,7 @@
           <a:p>
             <a:r>
               <a:rPr lang="en-US" sz="3200" b="1" dirty="0"/>
-              <a:t>Data Output and Visualization</a:t>
+              <a:t>Results and Conclusion</a:t>
             </a:r>
           </a:p>
           <a:p>
@@ -9189,7 +8886,7 @@
             </a:pPr>
             <a:r>
               <a:rPr lang="en-US" sz="3200" b="1" dirty="0"/>
-              <a:t>Output</a:t>
+              <a:t>Results</a:t>
             </a:r>
             <a:r>
               <a:rPr lang="en-US" sz="3200" dirty="0"/>
@@ -9200,7 +8897,27 @@
             </a:br>
             <a:r>
               <a:rPr lang="en-US" sz="3200" dirty="0"/>
-              <a:t>Extracted information is saved into CSV files (test name, value, unit, reference range).</a:t>
+              <a:t>Successfully extracted and categorized data from lab reports.</a:t>
+            </a:r>
+          </a:p>
+          <a:p>
+            <a:pPr marL="742950" lvl="1" indent="-285750">
+              <a:buFont typeface="Arial" panose="020B0604020202020204" pitchFamily="34" charset="0"/>
+              <a:buChar char="•"/>
+            </a:pPr>
+            <a:r>
+              <a:rPr lang="en-US" sz="3200" dirty="0"/>
+              <a:t>Exported results as CSV.</a:t>
+            </a:r>
+          </a:p>
+          <a:p>
+            <a:pPr marL="742950" lvl="1" indent="-285750">
+              <a:buFont typeface="Arial" panose="020B0604020202020204" pitchFamily="34" charset="0"/>
+              <a:buChar char="•"/>
+            </a:pPr>
+            <a:r>
+              <a:rPr lang="en-US" sz="3200" dirty="0"/>
+              <a:t>Visualized regions of interest in processed images.</a:t>
             </a:r>
           </a:p>
           <a:p>
@@ -9210,18 +8927,35 @@
             </a:pPr>
             <a:r>
               <a:rPr lang="en-US" sz="3200" b="1" dirty="0"/>
-              <a:t>Visualization</a:t>
+              <a:t>Next Steps</a:t>
             </a:r>
             <a:r>
               <a:rPr lang="en-US" sz="3200" dirty="0"/>
               <a:t>:</a:t>
             </a:r>
-            <a:br>
+          </a:p>
+          <a:p>
+            <a:pPr marL="742950" lvl="1" indent="-285750">
+              <a:buFont typeface="Arial" panose="020B0604020202020204" pitchFamily="34" charset="0"/>
+              <a:buChar char="•"/>
+            </a:pPr>
+            <a:r>
               <a:rPr lang="en-US" sz="3200" dirty="0"/>
-            </a:br>
+              <a:t>Expand to more report types.</a:t>
+            </a:r>
+          </a:p>
+          <a:p>
+            <a:pPr marL="742950" lvl="1" indent="-285750">
+              <a:buFont typeface="Arial" panose="020B0604020202020204" pitchFamily="34" charset="0"/>
+              <a:buChar char="•"/>
+            </a:pPr>
             <a:r>
               <a:rPr lang="en-US" sz="3200" dirty="0"/>
-              <a:t>Final processed image saved with bounding boxes for verification.</a:t>
+              <a:t>Improve fuzzy matching accuracy</a:t>
+            </a:r>
+            <a:r>
+              <a:rPr lang="en-US" dirty="0"/>
+              <a:t>.</a:t>
             </a:r>
           </a:p>
         </p:txBody>
@@ -9229,7 +8963,7 @@
     </p:spTree>
     <p:extLst>
       <p:ext uri="{BB962C8B-B14F-4D97-AF65-F5344CB8AC3E}">
-        <p14:creationId xmlns:p14="http://schemas.microsoft.com/office/powerpoint/2010/main" val="2134279196"/>
+        <p14:creationId xmlns:p14="http://schemas.microsoft.com/office/powerpoint/2010/main" val="782414008"/>
       </p:ext>
     </p:extLst>
   </p:cSld>
@@ -9270,7 +9004,7 @@
                                           </p:stCondLst>
                                         </p:cTn>
                                         <p:tgtEl>
-                                          <p:spTgt spid="3">
+                                          <p:spTgt spid="4">
                                             <p:txEl>
                                               <p:pRg st="0" end="0"/>
                                             </p:txEl>
@@ -9301,7 +9035,7 @@
                                           </p:stCondLst>
                                         </p:cTn>
                                         <p:tgtEl>
-                                          <p:spTgt spid="3">
+                                          <p:spTgt spid="4">
                                             <p:txEl>
                                               <p:pRg st="1" end="1"/>
                                             </p:txEl>
@@ -9332,9 +9066,133 @@
                                           </p:stCondLst>
                                         </p:cTn>
                                         <p:tgtEl>
-                                          <p:spTgt spid="3">
+                                          <p:spTgt spid="4">
                                             <p:txEl>
                                               <p:pRg st="2" end="2"/>
+                                            </p:txEl>
+                                          </p:spTgt>
+                                        </p:tgtEl>
+                                        <p:attrNameLst>
+                                          <p:attrName>style.visibility</p:attrName>
+                                        </p:attrNameLst>
+                                      </p:cBhvr>
+                                      <p:to>
+                                        <p:strVal val="visible"/>
+                                      </p:to>
+                                    </p:set>
+                                  </p:childTnLst>
+                                </p:cTn>
+                              </p:par>
+                              <p:par>
+                                <p:cTn id="11" presetID="1" presetClass="entr" presetSubtype="0" fill="hold" nodeType="withEffect">
+                                  <p:stCondLst>
+                                    <p:cond delay="0"/>
+                                  </p:stCondLst>
+                                  <p:childTnLst>
+                                    <p:set>
+                                      <p:cBhvr>
+                                        <p:cTn id="12" dur="1" fill="hold">
+                                          <p:stCondLst>
+                                            <p:cond delay="0"/>
+                                          </p:stCondLst>
+                                        </p:cTn>
+                                        <p:tgtEl>
+                                          <p:spTgt spid="4">
+                                            <p:txEl>
+                                              <p:pRg st="3" end="3"/>
+                                            </p:txEl>
+                                          </p:spTgt>
+                                        </p:tgtEl>
+                                        <p:attrNameLst>
+                                          <p:attrName>style.visibility</p:attrName>
+                                        </p:attrNameLst>
+                                      </p:cBhvr>
+                                      <p:to>
+                                        <p:strVal val="visible"/>
+                                      </p:to>
+                                    </p:set>
+                                  </p:childTnLst>
+                                </p:cTn>
+                              </p:par>
+                              <p:par>
+                                <p:cTn id="13" presetID="1" presetClass="entr" presetSubtype="0" fill="hold" nodeType="withEffect">
+                                  <p:stCondLst>
+                                    <p:cond delay="0"/>
+                                  </p:stCondLst>
+                                  <p:childTnLst>
+                                    <p:set>
+                                      <p:cBhvr>
+                                        <p:cTn id="14" dur="1" fill="hold">
+                                          <p:stCondLst>
+                                            <p:cond delay="0"/>
+                                          </p:stCondLst>
+                                        </p:cTn>
+                                        <p:tgtEl>
+                                          <p:spTgt spid="4">
+                                            <p:txEl>
+                                              <p:pRg st="4" end="4"/>
+                                            </p:txEl>
+                                          </p:spTgt>
+                                        </p:tgtEl>
+                                        <p:attrNameLst>
+                                          <p:attrName>style.visibility</p:attrName>
+                                        </p:attrNameLst>
+                                      </p:cBhvr>
+                                      <p:to>
+                                        <p:strVal val="visible"/>
+                                      </p:to>
+                                    </p:set>
+                                  </p:childTnLst>
+                                </p:cTn>
+                              </p:par>
+                              <p:par>
+                                <p:cTn id="15" presetID="1" presetClass="entr" presetSubtype="0" fill="hold" nodeType="withEffect">
+                                  <p:stCondLst>
+                                    <p:cond delay="0"/>
+                                  </p:stCondLst>
+                                  <p:childTnLst>
+                                    <p:set>
+                                      <p:cBhvr>
+                                        <p:cTn id="16" dur="1" fill="hold">
+                                          <p:stCondLst>
+                                            <p:cond delay="0"/>
+                                          </p:stCondLst>
+                                        </p:cTn>
+                                        <p:tgtEl>
+                                          <p:spTgt spid="4">
+                                            <p:txEl>
+                                              <p:pRg st="5" end="5"/>
+                                            </p:txEl>
+                                          </p:spTgt>
+                                        </p:tgtEl>
+                                        <p:attrNameLst>
+                                          <p:attrName>style.visibility</p:attrName>
+                                        </p:attrNameLst>
+                                      </p:cBhvr>
+                                      <p:to>
+                                        <p:strVal val="visible"/>
+                                      </p:to>
+                                    </p:set>
+                                  </p:childTnLst>
+                                </p:cTn>
+                              </p:par>
+                              <p:par>
+                                <p:cTn id="17" presetID="1" presetClass="entr" presetSubtype="0" fill="hold" nodeType="withEffect">
+                                  <p:stCondLst>
+                                    <p:cond delay="0"/>
+                                  </p:stCondLst>
+                                  <p:childTnLst>
+                                    <p:set>
+                                      <p:cBhvr>
+                                        <p:cTn id="18" dur="1" fill="hold">
+                                          <p:stCondLst>
+                                            <p:cond delay="0"/>
+                                          </p:stCondLst>
+                                        </p:cTn>
+                                        <p:tgtEl>
+                                          <p:spTgt spid="4">
+                                            <p:txEl>
+                                              <p:pRg st="6" end="6"/>
                                             </p:txEl>
                                           </p:spTgt>
                                         </p:tgtEl>
@@ -9399,348 +9257,64 @@
       </p:grpSpPr>
       <p:sp>
         <p:nvSpPr>
-          <p:cNvPr id="3" name="TextBox 2">
+          <p:cNvPr id="2" name="Title 1">
             <a:extLst>
               <a:ext uri="{FF2B5EF4-FFF2-40B4-BE49-F238E27FC236}">
-                <a16:creationId xmlns:a16="http://schemas.microsoft.com/office/drawing/2014/main" id="{D7A04EA5-9FCE-EBF2-133B-E59D1C559139}"/>
+                <a16:creationId xmlns:a16="http://schemas.microsoft.com/office/drawing/2014/main" id="{35D545B5-B40B-4DE7-D25E-1B66B6D14C2E}"/>
               </a:ext>
             </a:extLst>
           </p:cNvPr>
-          <p:cNvSpPr txBox="1"/>
-          <p:nvPr/>
-        </p:nvSpPr>
-        <p:spPr>
-          <a:xfrm>
-            <a:off x="1254442" y="428179"/>
-            <a:ext cx="8152447" cy="4524315"/>
-          </a:xfrm>
-          <a:prstGeom prst="rect">
-            <a:avLst/>
-          </a:prstGeom>
-          <a:noFill/>
-        </p:spPr>
-        <p:txBody>
-          <a:bodyPr wrap="square">
-            <a:spAutoFit/>
-          </a:bodyPr>
+          <p:cNvSpPr>
+            <a:spLocks noGrp="1"/>
+          </p:cNvSpPr>
+          <p:nvPr>
+            <p:ph type="title"/>
+          </p:nvPr>
+        </p:nvSpPr>
+        <p:spPr/>
+        <p:txBody>
+          <a:bodyPr/>
           <a:lstStyle/>
           <a:p>
-            <a:r>
-              <a:rPr lang="en-US" sz="3200" b="1" dirty="0"/>
-              <a:t>Flask Integration in Custom OCR Solution</a:t>
-            </a:r>
-          </a:p>
-          <a:p>
-            <a:pPr>
-              <a:buFont typeface="Arial" panose="020B0604020202020204" pitchFamily="34" charset="0"/>
-              <a:buChar char="•"/>
-            </a:pPr>
-            <a:r>
-              <a:rPr lang="en-US" sz="3200" b="1" dirty="0"/>
-              <a:t>Purpose</a:t>
-            </a:r>
-            <a:r>
-              <a:rPr lang="en-US" sz="3200" dirty="0"/>
-              <a:t>:</a:t>
-            </a:r>
-            <a:br>
-              <a:rPr lang="en-US" sz="3200" dirty="0"/>
-            </a:br>
-            <a:r>
-              <a:rPr lang="en-US" sz="3200" dirty="0"/>
-              <a:t>Web-based interface for uploading, processing images, and visualizing results.</a:t>
-            </a:r>
-          </a:p>
-          <a:p>
-            <a:pPr>
-              <a:buFont typeface="Arial" panose="020B0604020202020204" pitchFamily="34" charset="0"/>
-              <a:buChar char="•"/>
-            </a:pPr>
-            <a:r>
-              <a:rPr lang="en-US" sz="3200" b="1" dirty="0"/>
-              <a:t>Key Features</a:t>
-            </a:r>
-            <a:r>
-              <a:rPr lang="en-US" sz="3200" dirty="0"/>
-              <a:t>:</a:t>
-            </a:r>
-          </a:p>
-          <a:p>
-            <a:pPr marL="742950" lvl="1" indent="-285750">
-              <a:buFont typeface="Arial" panose="020B0604020202020204" pitchFamily="34" charset="0"/>
-              <a:buChar char="•"/>
-            </a:pPr>
-            <a:r>
-              <a:rPr lang="en-US" sz="3200" dirty="0"/>
-              <a:t>Image upload and preview.</a:t>
-            </a:r>
-          </a:p>
-          <a:p>
-            <a:pPr marL="742950" lvl="1" indent="-285750">
-              <a:buFont typeface="Arial" panose="020B0604020202020204" pitchFamily="34" charset="0"/>
-              <a:buChar char="•"/>
-            </a:pPr>
-            <a:r>
-              <a:rPr lang="en-US" sz="3200" dirty="0"/>
-              <a:t>Image processing and CSV output.</a:t>
-            </a:r>
-          </a:p>
-          <a:p>
-            <a:pPr marL="742950" lvl="1" indent="-285750">
-              <a:buFont typeface="Arial" panose="020B0604020202020204" pitchFamily="34" charset="0"/>
-              <a:buChar char="•"/>
-            </a:pPr>
-            <a:r>
-              <a:rPr lang="en-US" sz="3200" dirty="0"/>
-              <a:t>Visualization of bounding boxes on the image.</a:t>
-            </a:r>
+            <a:endParaRPr lang="en-IN"/>
+          </a:p>
+        </p:txBody>
+      </p:sp>
+      <p:sp>
+        <p:nvSpPr>
+          <p:cNvPr id="3" name="Content Placeholder 2">
+            <a:extLst>
+              <a:ext uri="{FF2B5EF4-FFF2-40B4-BE49-F238E27FC236}">
+                <a16:creationId xmlns:a16="http://schemas.microsoft.com/office/drawing/2014/main" id="{D8C6C6C4-12BA-8F94-B343-7B2647618111}"/>
+              </a:ext>
+            </a:extLst>
+          </p:cNvPr>
+          <p:cNvSpPr>
+            <a:spLocks noGrp="1"/>
+          </p:cNvSpPr>
+          <p:nvPr>
+            <p:ph idx="1"/>
+          </p:nvPr>
+        </p:nvSpPr>
+        <p:spPr/>
+        <p:txBody>
+          <a:bodyPr/>
+          <a:lstStyle/>
+          <a:p>
+            <a:endParaRPr lang="en-IN"/>
           </a:p>
         </p:txBody>
       </p:sp>
     </p:spTree>
     <p:extLst>
       <p:ext uri="{BB962C8B-B14F-4D97-AF65-F5344CB8AC3E}">
-        <p14:creationId xmlns:p14="http://schemas.microsoft.com/office/powerpoint/2010/main" val="206806358"/>
+        <p14:creationId xmlns:p14="http://schemas.microsoft.com/office/powerpoint/2010/main" val="453544361"/>
       </p:ext>
     </p:extLst>
   </p:cSld>
   <p:clrMapOvr>
     <a:masterClrMapping/>
   </p:clrMapOvr>
-  <p:timing>
-    <p:tnLst>
-      <p:par>
-        <p:cTn id="1" dur="indefinite" restart="never" nodeType="tmRoot">
-          <p:childTnLst>
-            <p:seq concurrent="1" nextAc="seek">
-              <p:cTn id="2" dur="indefinite" nodeType="mainSeq">
-                <p:childTnLst>
-                  <p:par>
-                    <p:cTn id="3" fill="hold">
-                      <p:stCondLst>
-                        <p:cond delay="indefinite"/>
-                      </p:stCondLst>
-                      <p:childTnLst>
-                        <p:par>
-                          <p:cTn id="4" fill="hold">
-                            <p:stCondLst>
-                              <p:cond delay="0"/>
-                            </p:stCondLst>
-                            <p:childTnLst>
-                              <p:par>
-                                <p:cTn id="5" presetID="1" presetClass="entr" presetSubtype="0" fill="hold" nodeType="clickEffect">
-                                  <p:stCondLst>
-                                    <p:cond delay="0"/>
-                                  </p:stCondLst>
-                                  <p:childTnLst>
-                                    <p:set>
-                                      <p:cBhvr>
-                                        <p:cTn id="6" dur="1" fill="hold">
-                                          <p:stCondLst>
-                                            <p:cond delay="0"/>
-                                          </p:stCondLst>
-                                        </p:cTn>
-                                        <p:tgtEl>
-                                          <p:spTgt spid="3">
-                                            <p:txEl>
-                                              <p:pRg st="0" end="0"/>
-                                            </p:txEl>
-                                          </p:spTgt>
-                                        </p:tgtEl>
-                                        <p:attrNameLst>
-                                          <p:attrName>style.visibility</p:attrName>
-                                        </p:attrNameLst>
-                                      </p:cBhvr>
-                                      <p:to>
-                                        <p:strVal val="visible"/>
-                                      </p:to>
-                                    </p:set>
-                                  </p:childTnLst>
-                                </p:cTn>
-                              </p:par>
-                              <p:par>
-                                <p:cTn id="7" presetID="1" presetClass="entr" presetSubtype="0" fill="hold" nodeType="withEffect">
-                                  <p:stCondLst>
-                                    <p:cond delay="0"/>
-                                  </p:stCondLst>
-                                  <p:childTnLst>
-                                    <p:set>
-                                      <p:cBhvr>
-                                        <p:cTn id="8" dur="1" fill="hold">
-                                          <p:stCondLst>
-                                            <p:cond delay="0"/>
-                                          </p:stCondLst>
-                                        </p:cTn>
-                                        <p:tgtEl>
-                                          <p:spTgt spid="3">
-                                            <p:txEl>
-                                              <p:pRg st="1" end="1"/>
-                                            </p:txEl>
-                                          </p:spTgt>
-                                        </p:tgtEl>
-                                        <p:attrNameLst>
-                                          <p:attrName>style.visibility</p:attrName>
-                                        </p:attrNameLst>
-                                      </p:cBhvr>
-                                      <p:to>
-                                        <p:strVal val="visible"/>
-                                      </p:to>
-                                    </p:set>
-                                  </p:childTnLst>
-                                </p:cTn>
-                              </p:par>
-                              <p:par>
-                                <p:cTn id="9" presetID="1" presetClass="entr" presetSubtype="0" fill="hold" nodeType="withEffect">
-                                  <p:stCondLst>
-                                    <p:cond delay="0"/>
-                                  </p:stCondLst>
-                                  <p:childTnLst>
-                                    <p:set>
-                                      <p:cBhvr>
-                                        <p:cTn id="10" dur="1" fill="hold">
-                                          <p:stCondLst>
-                                            <p:cond delay="0"/>
-                                          </p:stCondLst>
-                                        </p:cTn>
-                                        <p:tgtEl>
-                                          <p:spTgt spid="3">
-                                            <p:txEl>
-                                              <p:pRg st="2" end="2"/>
-                                            </p:txEl>
-                                          </p:spTgt>
-                                        </p:tgtEl>
-                                        <p:attrNameLst>
-                                          <p:attrName>style.visibility</p:attrName>
-                                        </p:attrNameLst>
-                                      </p:cBhvr>
-                                      <p:to>
-                                        <p:strVal val="visible"/>
-                                      </p:to>
-                                    </p:set>
-                                  </p:childTnLst>
-                                </p:cTn>
-                              </p:par>
-                              <p:par>
-                                <p:cTn id="11" presetID="1" presetClass="entr" presetSubtype="0" fill="hold" nodeType="withEffect">
-                                  <p:stCondLst>
-                                    <p:cond delay="0"/>
-                                  </p:stCondLst>
-                                  <p:childTnLst>
-                                    <p:set>
-                                      <p:cBhvr>
-                                        <p:cTn id="12" dur="1" fill="hold">
-                                          <p:stCondLst>
-                                            <p:cond delay="0"/>
-                                          </p:stCondLst>
-                                        </p:cTn>
-                                        <p:tgtEl>
-                                          <p:spTgt spid="3">
-                                            <p:txEl>
-                                              <p:pRg st="3" end="3"/>
-                                            </p:txEl>
-                                          </p:spTgt>
-                                        </p:tgtEl>
-                                        <p:attrNameLst>
-                                          <p:attrName>style.visibility</p:attrName>
-                                        </p:attrNameLst>
-                                      </p:cBhvr>
-                                      <p:to>
-                                        <p:strVal val="visible"/>
-                                      </p:to>
-                                    </p:set>
-                                  </p:childTnLst>
-                                </p:cTn>
-                              </p:par>
-                              <p:par>
-                                <p:cTn id="13" presetID="1" presetClass="entr" presetSubtype="0" fill="hold" nodeType="withEffect">
-                                  <p:stCondLst>
-                                    <p:cond delay="0"/>
-                                  </p:stCondLst>
-                                  <p:childTnLst>
-                                    <p:set>
-                                      <p:cBhvr>
-                                        <p:cTn id="14" dur="1" fill="hold">
-                                          <p:stCondLst>
-                                            <p:cond delay="0"/>
-                                          </p:stCondLst>
-                                        </p:cTn>
-                                        <p:tgtEl>
-                                          <p:spTgt spid="3">
-                                            <p:txEl>
-                                              <p:pRg st="4" end="4"/>
-                                            </p:txEl>
-                                          </p:spTgt>
-                                        </p:tgtEl>
-                                        <p:attrNameLst>
-                                          <p:attrName>style.visibility</p:attrName>
-                                        </p:attrNameLst>
-                                      </p:cBhvr>
-                                      <p:to>
-                                        <p:strVal val="visible"/>
-                                      </p:to>
-                                    </p:set>
-                                  </p:childTnLst>
-                                </p:cTn>
-                              </p:par>
-                              <p:par>
-                                <p:cTn id="15" presetID="1" presetClass="entr" presetSubtype="0" fill="hold" nodeType="withEffect">
-                                  <p:stCondLst>
-                                    <p:cond delay="0"/>
-                                  </p:stCondLst>
-                                  <p:childTnLst>
-                                    <p:set>
-                                      <p:cBhvr>
-                                        <p:cTn id="16" dur="1" fill="hold">
-                                          <p:stCondLst>
-                                            <p:cond delay="0"/>
-                                          </p:stCondLst>
-                                        </p:cTn>
-                                        <p:tgtEl>
-                                          <p:spTgt spid="3">
-                                            <p:txEl>
-                                              <p:pRg st="5" end="5"/>
-                                            </p:txEl>
-                                          </p:spTgt>
-                                        </p:tgtEl>
-                                        <p:attrNameLst>
-                                          <p:attrName>style.visibility</p:attrName>
-                                        </p:attrNameLst>
-                                      </p:cBhvr>
-                                      <p:to>
-                                        <p:strVal val="visible"/>
-                                      </p:to>
-                                    </p:set>
-                                  </p:childTnLst>
-                                </p:cTn>
-                              </p:par>
-                            </p:childTnLst>
-                          </p:cTn>
-                        </p:par>
-                      </p:childTnLst>
-                    </p:cTn>
-                  </p:par>
-                </p:childTnLst>
-              </p:cTn>
-              <p:prevCondLst>
-                <p:cond evt="onPrev" delay="0">
-                  <p:tgtEl>
-                    <p:sldTgt/>
-                  </p:tgtEl>
-                </p:cond>
-              </p:prevCondLst>
-              <p:nextCondLst>
-                <p:cond evt="onNext" delay="0">
-                  <p:tgtEl>
-                    <p:sldTgt/>
-                  </p:tgtEl>
-                </p:cond>
-              </p:nextCondLst>
-            </p:seq>
-          </p:childTnLst>
-        </p:cTn>
-      </p:par>
-    </p:tnLst>
-  </p:timing>
 </p:sld>
 </file>
 

--- a/OCR_Project/Project _10_AWS.pptx
+++ b/OCR_Project/Project _10_AWS.pptx
@@ -2,7 +2,7 @@
 <file path=ppt/presentation.xml><?xml version="1.0" encoding="utf-8"?>
 <p:presentation xmlns:a="http://schemas.openxmlformats.org/drawingml/2006/main" xmlns:r="http://schemas.openxmlformats.org/officeDocument/2006/relationships" xmlns:p="http://schemas.openxmlformats.org/presentationml/2006/main" saveSubsetFonts="1">
   <p:sldMasterIdLst>
-    <p:sldMasterId id="2147484061" r:id="rId1"/>
+    <p:sldMasterId id="2147484080" r:id="rId1"/>
   </p:sldMasterIdLst>
   <p:sldIdLst>
     <p:sldId id="256" r:id="rId2"/>
@@ -12,8 +12,11 @@
     <p:sldId id="267" r:id="rId6"/>
     <p:sldId id="268" r:id="rId7"/>
     <p:sldId id="261" r:id="rId8"/>
-    <p:sldId id="264" r:id="rId9"/>
-    <p:sldId id="265" r:id="rId10"/>
+    <p:sldId id="269" r:id="rId9"/>
+    <p:sldId id="270" r:id="rId10"/>
+    <p:sldId id="272" r:id="rId11"/>
+    <p:sldId id="264" r:id="rId12"/>
+    <p:sldId id="274" r:id="rId13"/>
   </p:sldIdLst>
   <p:sldSz cx="12192000" cy="6858000"/>
   <p:notesSz cx="6858000" cy="9144000"/>
@@ -353,7 +356,7 @@
     </p:spTree>
     <p:extLst>
       <p:ext uri="{BB962C8B-B14F-4D97-AF65-F5344CB8AC3E}">
-        <p14:creationId xmlns:p14="http://schemas.microsoft.com/office/powerpoint/2010/main" val="2150764599"/>
+        <p14:creationId xmlns:p14="http://schemas.microsoft.com/office/powerpoint/2010/main" val="1768301549"/>
       </p:ext>
     </p:extLst>
   </p:cSld>
@@ -668,7 +671,7 @@
     </p:spTree>
     <p:extLst>
       <p:ext uri="{BB962C8B-B14F-4D97-AF65-F5344CB8AC3E}">
-        <p14:creationId xmlns:p14="http://schemas.microsoft.com/office/powerpoint/2010/main" val="1888102964"/>
+        <p14:creationId xmlns:p14="http://schemas.microsoft.com/office/powerpoint/2010/main" val="965637635"/>
       </p:ext>
     </p:extLst>
   </p:cSld>
@@ -890,7 +893,7 @@
     </p:spTree>
     <p:extLst>
       <p:ext uri="{BB962C8B-B14F-4D97-AF65-F5344CB8AC3E}">
-        <p14:creationId xmlns:p14="http://schemas.microsoft.com/office/powerpoint/2010/main" val="4158233161"/>
+        <p14:creationId xmlns:p14="http://schemas.microsoft.com/office/powerpoint/2010/main" val="1869926590"/>
       </p:ext>
     </p:extLst>
   </p:cSld>
@@ -1413,7 +1416,7 @@
     </p:spTree>
     <p:extLst>
       <p:ext uri="{BB962C8B-B14F-4D97-AF65-F5344CB8AC3E}">
-        <p14:creationId xmlns:p14="http://schemas.microsoft.com/office/powerpoint/2010/main" val="418756541"/>
+        <p14:creationId xmlns:p14="http://schemas.microsoft.com/office/powerpoint/2010/main" val="337612169"/>
       </p:ext>
     </p:extLst>
   </p:cSld>
@@ -1635,7 +1638,7 @@
     </p:spTree>
     <p:extLst>
       <p:ext uri="{BB962C8B-B14F-4D97-AF65-F5344CB8AC3E}">
-        <p14:creationId xmlns:p14="http://schemas.microsoft.com/office/powerpoint/2010/main" val="1252911027"/>
+        <p14:creationId xmlns:p14="http://schemas.microsoft.com/office/powerpoint/2010/main" val="2095363795"/>
       </p:ext>
     </p:extLst>
   </p:cSld>
@@ -2211,7 +2214,7 @@
     </p:spTree>
     <p:extLst>
       <p:ext uri="{BB962C8B-B14F-4D97-AF65-F5344CB8AC3E}">
-        <p14:creationId xmlns:p14="http://schemas.microsoft.com/office/powerpoint/2010/main" val="140259920"/>
+        <p14:creationId xmlns:p14="http://schemas.microsoft.com/office/powerpoint/2010/main" val="2453237832"/>
       </p:ext>
     </p:extLst>
   </p:cSld>
@@ -3072,7 +3075,7 @@
     </p:spTree>
     <p:extLst>
       <p:ext uri="{BB962C8B-B14F-4D97-AF65-F5344CB8AC3E}">
-        <p14:creationId xmlns:p14="http://schemas.microsoft.com/office/powerpoint/2010/main" val="3298674469"/>
+        <p14:creationId xmlns:p14="http://schemas.microsoft.com/office/powerpoint/2010/main" val="3960994154"/>
       </p:ext>
     </p:extLst>
   </p:cSld>
@@ -3277,7 +3280,7 @@
     </p:spTree>
     <p:extLst>
       <p:ext uri="{BB962C8B-B14F-4D97-AF65-F5344CB8AC3E}">
-        <p14:creationId xmlns:p14="http://schemas.microsoft.com/office/powerpoint/2010/main" val="2508845784"/>
+        <p14:creationId xmlns:p14="http://schemas.microsoft.com/office/powerpoint/2010/main" val="3880798329"/>
       </p:ext>
     </p:extLst>
   </p:cSld>
@@ -3491,7 +3494,7 @@
     </p:spTree>
     <p:extLst>
       <p:ext uri="{BB962C8B-B14F-4D97-AF65-F5344CB8AC3E}">
-        <p14:creationId xmlns:p14="http://schemas.microsoft.com/office/powerpoint/2010/main" val="593750129"/>
+        <p14:creationId xmlns:p14="http://schemas.microsoft.com/office/powerpoint/2010/main" val="2569199132"/>
       </p:ext>
     </p:extLst>
   </p:cSld>
@@ -3661,7 +3664,7 @@
     </p:spTree>
     <p:extLst>
       <p:ext uri="{BB962C8B-B14F-4D97-AF65-F5344CB8AC3E}">
-        <p14:creationId xmlns:p14="http://schemas.microsoft.com/office/powerpoint/2010/main" val="2428206942"/>
+        <p14:creationId xmlns:p14="http://schemas.microsoft.com/office/powerpoint/2010/main" val="2794277827"/>
       </p:ext>
     </p:extLst>
   </p:cSld>
@@ -3866,7 +3869,7 @@
     </p:spTree>
     <p:extLst>
       <p:ext uri="{BB962C8B-B14F-4D97-AF65-F5344CB8AC3E}">
-        <p14:creationId xmlns:p14="http://schemas.microsoft.com/office/powerpoint/2010/main" val="575723731"/>
+        <p14:creationId xmlns:p14="http://schemas.microsoft.com/office/powerpoint/2010/main" val="576384175"/>
       </p:ext>
     </p:extLst>
   </p:cSld>
@@ -4146,7 +4149,7 @@
     </p:spTree>
     <p:extLst>
       <p:ext uri="{BB962C8B-B14F-4D97-AF65-F5344CB8AC3E}">
-        <p14:creationId xmlns:p14="http://schemas.microsoft.com/office/powerpoint/2010/main" val="1006013511"/>
+        <p14:creationId xmlns:p14="http://schemas.microsoft.com/office/powerpoint/2010/main" val="3615432479"/>
       </p:ext>
     </p:extLst>
   </p:cSld>
@@ -4413,7 +4416,7 @@
     </p:spTree>
     <p:extLst>
       <p:ext uri="{BB962C8B-B14F-4D97-AF65-F5344CB8AC3E}">
-        <p14:creationId xmlns:p14="http://schemas.microsoft.com/office/powerpoint/2010/main" val="4256440506"/>
+        <p14:creationId xmlns:p14="http://schemas.microsoft.com/office/powerpoint/2010/main" val="41186912"/>
       </p:ext>
     </p:extLst>
   </p:cSld>
@@ -4828,7 +4831,7 @@
     </p:spTree>
     <p:extLst>
       <p:ext uri="{BB962C8B-B14F-4D97-AF65-F5344CB8AC3E}">
-        <p14:creationId xmlns:p14="http://schemas.microsoft.com/office/powerpoint/2010/main" val="1290523142"/>
+        <p14:creationId xmlns:p14="http://schemas.microsoft.com/office/powerpoint/2010/main" val="1474264289"/>
       </p:ext>
     </p:extLst>
   </p:cSld>
@@ -4976,7 +4979,7 @@
     </p:spTree>
     <p:extLst>
       <p:ext uri="{BB962C8B-B14F-4D97-AF65-F5344CB8AC3E}">
-        <p14:creationId xmlns:p14="http://schemas.microsoft.com/office/powerpoint/2010/main" val="3727271602"/>
+        <p14:creationId xmlns:p14="http://schemas.microsoft.com/office/powerpoint/2010/main" val="728535531"/>
       </p:ext>
     </p:extLst>
   </p:cSld>
@@ -5101,7 +5104,7 @@
     </p:spTree>
     <p:extLst>
       <p:ext uri="{BB962C8B-B14F-4D97-AF65-F5344CB8AC3E}">
-        <p14:creationId xmlns:p14="http://schemas.microsoft.com/office/powerpoint/2010/main" val="3809072817"/>
+        <p14:creationId xmlns:p14="http://schemas.microsoft.com/office/powerpoint/2010/main" val="2291565317"/>
       </p:ext>
     </p:extLst>
   </p:cSld>
@@ -5380,7 +5383,7 @@
     </p:spTree>
     <p:extLst>
       <p:ext uri="{BB962C8B-B14F-4D97-AF65-F5344CB8AC3E}">
-        <p14:creationId xmlns:p14="http://schemas.microsoft.com/office/powerpoint/2010/main" val="1130346001"/>
+        <p14:creationId xmlns:p14="http://schemas.microsoft.com/office/powerpoint/2010/main" val="215294132"/>
       </p:ext>
     </p:extLst>
   </p:cSld>
@@ -5695,7 +5698,7 @@
     </p:spTree>
     <p:extLst>
       <p:ext uri="{BB962C8B-B14F-4D97-AF65-F5344CB8AC3E}">
-        <p14:creationId xmlns:p14="http://schemas.microsoft.com/office/powerpoint/2010/main" val="1537084779"/>
+        <p14:creationId xmlns:p14="http://schemas.microsoft.com/office/powerpoint/2010/main" val="3854001276"/>
       </p:ext>
     </p:extLst>
   </p:cSld>
@@ -5980,30 +5983,30 @@
     </p:spTree>
     <p:extLst>
       <p:ext uri="{BB962C8B-B14F-4D97-AF65-F5344CB8AC3E}">
-        <p14:creationId xmlns:p14="http://schemas.microsoft.com/office/powerpoint/2010/main" val="2727199366"/>
+        <p14:creationId xmlns:p14="http://schemas.microsoft.com/office/powerpoint/2010/main" val="3270029531"/>
       </p:ext>
     </p:extLst>
   </p:cSld>
   <p:clrMap bg1="lt1" tx1="dk1" bg2="lt2" tx2="dk2" accent1="accent1" accent2="accent2" accent3="accent3" accent4="accent4" accent5="accent5" accent6="accent6" hlink="hlink" folHlink="folHlink"/>
   <p:sldLayoutIdLst>
-    <p:sldLayoutId id="2147484062" r:id="rId1"/>
-    <p:sldLayoutId id="2147484063" r:id="rId2"/>
-    <p:sldLayoutId id="2147484064" r:id="rId3"/>
-    <p:sldLayoutId id="2147484065" r:id="rId4"/>
-    <p:sldLayoutId id="2147484066" r:id="rId5"/>
-    <p:sldLayoutId id="2147484067" r:id="rId6"/>
-    <p:sldLayoutId id="2147484068" r:id="rId7"/>
-    <p:sldLayoutId id="2147484069" r:id="rId8"/>
-    <p:sldLayoutId id="2147484070" r:id="rId9"/>
-    <p:sldLayoutId id="2147484071" r:id="rId10"/>
-    <p:sldLayoutId id="2147484072" r:id="rId11"/>
-    <p:sldLayoutId id="2147484073" r:id="rId12"/>
-    <p:sldLayoutId id="2147484074" r:id="rId13"/>
-    <p:sldLayoutId id="2147484075" r:id="rId14"/>
-    <p:sldLayoutId id="2147484076" r:id="rId15"/>
-    <p:sldLayoutId id="2147484077" r:id="rId16"/>
-    <p:sldLayoutId id="2147484078" r:id="rId17"/>
-    <p:sldLayoutId id="2147484079" r:id="rId18"/>
+    <p:sldLayoutId id="2147484081" r:id="rId1"/>
+    <p:sldLayoutId id="2147484082" r:id="rId2"/>
+    <p:sldLayoutId id="2147484083" r:id="rId3"/>
+    <p:sldLayoutId id="2147484084" r:id="rId4"/>
+    <p:sldLayoutId id="2147484085" r:id="rId5"/>
+    <p:sldLayoutId id="2147484086" r:id="rId6"/>
+    <p:sldLayoutId id="2147484087" r:id="rId7"/>
+    <p:sldLayoutId id="2147484088" r:id="rId8"/>
+    <p:sldLayoutId id="2147484089" r:id="rId9"/>
+    <p:sldLayoutId id="2147484090" r:id="rId10"/>
+    <p:sldLayoutId id="2147484091" r:id="rId11"/>
+    <p:sldLayoutId id="2147484092" r:id="rId12"/>
+    <p:sldLayoutId id="2147484093" r:id="rId13"/>
+    <p:sldLayoutId id="2147484094" r:id="rId14"/>
+    <p:sldLayoutId id="2147484095" r:id="rId15"/>
+    <p:sldLayoutId id="2147484096" r:id="rId16"/>
+    <p:sldLayoutId id="2147484097" r:id="rId17"/>
+    <p:sldLayoutId id="2147484098" r:id="rId18"/>
   </p:sldLayoutIdLst>
   <p:txStyles>
     <p:titleStyle>
@@ -6546,6 +6549,639 @@
 </p:sld>
 </file>
 
+<file path=ppt/slides/slide10.xml><?xml version="1.0" encoding="utf-8"?>
+<p:sld xmlns:a="http://schemas.openxmlformats.org/drawingml/2006/main" xmlns:r="http://schemas.openxmlformats.org/officeDocument/2006/relationships" xmlns:p="http://schemas.openxmlformats.org/presentationml/2006/main">
+  <p:cSld>
+    <p:spTree>
+      <p:nvGrpSpPr>
+        <p:cNvPr id="1" name=""/>
+        <p:cNvGrpSpPr/>
+        <p:nvPr/>
+      </p:nvGrpSpPr>
+      <p:grpSpPr>
+        <a:xfrm>
+          <a:off x="0" y="0"/>
+          <a:ext cx="0" cy="0"/>
+          <a:chOff x="0" y="0"/>
+          <a:chExt cx="0" cy="0"/>
+        </a:xfrm>
+      </p:grpSpPr>
+      <p:pic>
+        <p:nvPicPr>
+          <p:cNvPr id="5" name="Picture 4">
+            <a:extLst>
+              <a:ext uri="{FF2B5EF4-FFF2-40B4-BE49-F238E27FC236}">
+                <a16:creationId xmlns:a16="http://schemas.microsoft.com/office/drawing/2014/main" id="{62AE2376-CF8C-292B-880F-6ABA47DC50B1}"/>
+              </a:ext>
+            </a:extLst>
+          </p:cNvPr>
+          <p:cNvPicPr>
+            <a:picLocks noChangeAspect="1"/>
+          </p:cNvPicPr>
+          <p:nvPr/>
+        </p:nvPicPr>
+        <p:blipFill>
+          <a:blip r:embed="rId2"/>
+          <a:stretch>
+            <a:fillRect/>
+          </a:stretch>
+        </p:blipFill>
+        <p:spPr>
+          <a:xfrm>
+            <a:off x="1844040" y="27778"/>
+            <a:ext cx="5969307" cy="3857122"/>
+          </a:xfrm>
+          <a:prstGeom prst="rect">
+            <a:avLst/>
+          </a:prstGeom>
+        </p:spPr>
+      </p:pic>
+      <p:pic>
+        <p:nvPicPr>
+          <p:cNvPr id="7" name="Picture 6">
+            <a:extLst>
+              <a:ext uri="{FF2B5EF4-FFF2-40B4-BE49-F238E27FC236}">
+                <a16:creationId xmlns:a16="http://schemas.microsoft.com/office/drawing/2014/main" id="{EE17C09C-B503-97D4-2E1C-E2E3F26E5A4E}"/>
+              </a:ext>
+            </a:extLst>
+          </p:cNvPr>
+          <p:cNvPicPr>
+            <a:picLocks noChangeAspect="1"/>
+          </p:cNvPicPr>
+          <p:nvPr/>
+        </p:nvPicPr>
+        <p:blipFill>
+          <a:blip r:embed="rId3"/>
+          <a:stretch>
+            <a:fillRect/>
+          </a:stretch>
+        </p:blipFill>
+        <p:spPr>
+          <a:xfrm>
+            <a:off x="1844040" y="4921220"/>
+            <a:ext cx="6296768" cy="1822479"/>
+          </a:xfrm>
+          <a:prstGeom prst="rect">
+            <a:avLst/>
+          </a:prstGeom>
+        </p:spPr>
+      </p:pic>
+      <p:sp>
+        <p:nvSpPr>
+          <p:cNvPr id="8" name="Arrow: Right 7">
+            <a:extLst>
+              <a:ext uri="{FF2B5EF4-FFF2-40B4-BE49-F238E27FC236}">
+                <a16:creationId xmlns:a16="http://schemas.microsoft.com/office/drawing/2014/main" id="{174198FF-994F-4C12-9EE3-4497FB2748CA}"/>
+              </a:ext>
+            </a:extLst>
+          </p:cNvPr>
+          <p:cNvSpPr/>
+          <p:nvPr/>
+        </p:nvSpPr>
+        <p:spPr>
+          <a:xfrm rot="5400000">
+            <a:off x="4150513" y="4243040"/>
+            <a:ext cx="1036320" cy="320040"/>
+          </a:xfrm>
+          <a:prstGeom prst="rightArrow">
+            <a:avLst/>
+          </a:prstGeom>
+        </p:spPr>
+        <p:style>
+          <a:lnRef idx="2">
+            <a:schemeClr val="accent1">
+              <a:shade val="15000"/>
+            </a:schemeClr>
+          </a:lnRef>
+          <a:fillRef idx="1">
+            <a:schemeClr val="accent1"/>
+          </a:fillRef>
+          <a:effectRef idx="0">
+            <a:schemeClr val="accent1"/>
+          </a:effectRef>
+          <a:fontRef idx="minor">
+            <a:schemeClr val="lt1"/>
+          </a:fontRef>
+        </p:style>
+        <p:txBody>
+          <a:bodyPr rtlCol="0" anchor="ctr"/>
+          <a:lstStyle/>
+          <a:p>
+            <a:pPr algn="ctr"/>
+            <a:endParaRPr lang="en-IN"/>
+          </a:p>
+        </p:txBody>
+      </p:sp>
+      <p:sp>
+        <p:nvSpPr>
+          <p:cNvPr id="9" name="Cloud 8">
+            <a:extLst>
+              <a:ext uri="{FF2B5EF4-FFF2-40B4-BE49-F238E27FC236}">
+                <a16:creationId xmlns:a16="http://schemas.microsoft.com/office/drawing/2014/main" id="{6D154BFA-2BAD-255C-10BA-A48F48E0A205}"/>
+              </a:ext>
+            </a:extLst>
+          </p:cNvPr>
+          <p:cNvSpPr/>
+          <p:nvPr/>
+        </p:nvSpPr>
+        <p:spPr>
+          <a:xfrm>
+            <a:off x="8256269" y="1326776"/>
+            <a:ext cx="3830473" cy="3050914"/>
+          </a:xfrm>
+          <a:prstGeom prst="cloud">
+            <a:avLst/>
+          </a:prstGeom>
+        </p:spPr>
+        <p:style>
+          <a:lnRef idx="2">
+            <a:schemeClr val="accent1">
+              <a:shade val="15000"/>
+            </a:schemeClr>
+          </a:lnRef>
+          <a:fillRef idx="1">
+            <a:schemeClr val="accent1"/>
+          </a:fillRef>
+          <a:effectRef idx="0">
+            <a:schemeClr val="accent1"/>
+          </a:effectRef>
+          <a:fontRef idx="minor">
+            <a:schemeClr val="lt1"/>
+          </a:fontRef>
+        </p:style>
+        <p:txBody>
+          <a:bodyPr rtlCol="0" anchor="ctr"/>
+          <a:lstStyle/>
+          <a:p>
+            <a:pPr algn="ctr"/>
+            <a:r>
+              <a:rPr lang="en-IN" sz="4400" dirty="0"/>
+              <a:t>FLASK OUTPUT</a:t>
+            </a:r>
+          </a:p>
+        </p:txBody>
+      </p:sp>
+    </p:spTree>
+    <p:extLst>
+      <p:ext uri="{BB962C8B-B14F-4D97-AF65-F5344CB8AC3E}">
+        <p14:creationId xmlns:p14="http://schemas.microsoft.com/office/powerpoint/2010/main" val="4080503545"/>
+      </p:ext>
+    </p:extLst>
+  </p:cSld>
+  <p:clrMapOvr>
+    <a:masterClrMapping/>
+  </p:clrMapOvr>
+</p:sld>
+</file>
+
+<file path=ppt/slides/slide11.xml><?xml version="1.0" encoding="utf-8"?>
+<p:sld xmlns:a="http://schemas.openxmlformats.org/drawingml/2006/main" xmlns:r="http://schemas.openxmlformats.org/officeDocument/2006/relationships" xmlns:p="http://schemas.openxmlformats.org/presentationml/2006/main">
+  <p:cSld>
+    <p:spTree>
+      <p:nvGrpSpPr>
+        <p:cNvPr id="1" name=""/>
+        <p:cNvGrpSpPr/>
+        <p:nvPr/>
+      </p:nvGrpSpPr>
+      <p:grpSpPr>
+        <a:xfrm>
+          <a:off x="0" y="0"/>
+          <a:ext cx="0" cy="0"/>
+          <a:chOff x="0" y="0"/>
+          <a:chExt cx="0" cy="0"/>
+        </a:xfrm>
+      </p:grpSpPr>
+      <p:sp>
+        <p:nvSpPr>
+          <p:cNvPr id="4" name="TextBox 3">
+            <a:extLst>
+              <a:ext uri="{FF2B5EF4-FFF2-40B4-BE49-F238E27FC236}">
+                <a16:creationId xmlns:a16="http://schemas.microsoft.com/office/drawing/2014/main" id="{0612DEC1-BF05-C18A-3A67-87D4BC513901}"/>
+              </a:ext>
+            </a:extLst>
+          </p:cNvPr>
+          <p:cNvSpPr txBox="1"/>
+          <p:nvPr/>
+        </p:nvSpPr>
+        <p:spPr>
+          <a:xfrm>
+            <a:off x="365760" y="457468"/>
+            <a:ext cx="11361419" cy="6370975"/>
+          </a:xfrm>
+          <a:prstGeom prst="rect">
+            <a:avLst/>
+          </a:prstGeom>
+          <a:noFill/>
+        </p:spPr>
+        <p:txBody>
+          <a:bodyPr wrap="square">
+            <a:spAutoFit/>
+          </a:bodyPr>
+          <a:lstStyle/>
+          <a:p>
+            <a:r>
+              <a:rPr lang="en-US" sz="3200" b="1" dirty="0"/>
+              <a:t>Results and Conclusion</a:t>
+            </a:r>
+          </a:p>
+          <a:p>
+            <a:endParaRPr lang="en-US" sz="3200" b="1" dirty="0"/>
+          </a:p>
+          <a:p>
+            <a:r>
+              <a:rPr lang="en-US" sz="3200" b="1" dirty="0"/>
+              <a:t>Results</a:t>
+            </a:r>
+            <a:r>
+              <a:rPr lang="en-US" sz="3200" dirty="0"/>
+              <a:t>:</a:t>
+            </a:r>
+            <a:br>
+              <a:rPr lang="en-US" sz="3200" dirty="0"/>
+            </a:br>
+            <a:r>
+              <a:rPr lang="en-US" sz="2800" dirty="0"/>
+              <a:t>Successfully extracted and categorized data from lab reports.</a:t>
+            </a:r>
+          </a:p>
+          <a:p>
+            <a:pPr marL="742950" lvl="1" indent="-285750">
+              <a:buFont typeface="Arial" panose="020B0604020202020204" pitchFamily="34" charset="0"/>
+              <a:buChar char="•"/>
+            </a:pPr>
+            <a:r>
+              <a:rPr lang="en-US" sz="2800" dirty="0"/>
+              <a:t>Exported results as CSV.</a:t>
+            </a:r>
+          </a:p>
+          <a:p>
+            <a:pPr marL="742950" lvl="1" indent="-285750">
+              <a:buFont typeface="Arial" panose="020B0604020202020204" pitchFamily="34" charset="0"/>
+              <a:buChar char="•"/>
+            </a:pPr>
+            <a:r>
+              <a:rPr lang="en-US" sz="2800" dirty="0"/>
+              <a:t>Visualized regions of interest in processed images.</a:t>
+            </a:r>
+          </a:p>
+          <a:p>
+            <a:pPr marL="742950" lvl="1" indent="-285750">
+              <a:buFont typeface="Arial" panose="020B0604020202020204" pitchFamily="34" charset="0"/>
+              <a:buChar char="•"/>
+            </a:pPr>
+            <a:endParaRPr lang="en-US" sz="3200" dirty="0"/>
+          </a:p>
+          <a:p>
+            <a:r>
+              <a:rPr lang="en-US" sz="3200" b="1" dirty="0"/>
+              <a:t>Conclusion</a:t>
+            </a:r>
+            <a:r>
+              <a:rPr lang="en-US" b="1" dirty="0"/>
+              <a:t>:</a:t>
+            </a:r>
+          </a:p>
+          <a:p>
+            <a:r>
+              <a:rPr lang="en-US" sz="2400" dirty="0"/>
+              <a:t>By leveraging YOLOv3 and Tesseract, the project successfully achieved its objective of detecting and extracting relevant sections of lab reports. The implementation of Flask made it easy to deploy and run the solution locally, The system accurately identified key fields, processed them, and delivered editable results in CSV format, providing a practical and efficient method for digitizing lab reports.</a:t>
+            </a:r>
+          </a:p>
+          <a:p>
+            <a:pPr lvl="1"/>
+            <a:endParaRPr lang="en-US" sz="3200" dirty="0"/>
+          </a:p>
+        </p:txBody>
+      </p:sp>
+    </p:spTree>
+    <p:extLst>
+      <p:ext uri="{BB962C8B-B14F-4D97-AF65-F5344CB8AC3E}">
+        <p14:creationId xmlns:p14="http://schemas.microsoft.com/office/powerpoint/2010/main" val="782414008"/>
+      </p:ext>
+    </p:extLst>
+  </p:cSld>
+  <p:clrMapOvr>
+    <a:masterClrMapping/>
+  </p:clrMapOvr>
+  <p:timing>
+    <p:tnLst>
+      <p:par>
+        <p:cTn id="1" dur="indefinite" restart="never" nodeType="tmRoot">
+          <p:childTnLst>
+            <p:seq concurrent="1" nextAc="seek">
+              <p:cTn id="2" dur="indefinite" nodeType="mainSeq">
+                <p:childTnLst>
+                  <p:par>
+                    <p:cTn id="3" fill="hold">
+                      <p:stCondLst>
+                        <p:cond delay="indefinite"/>
+                      </p:stCondLst>
+                      <p:childTnLst>
+                        <p:par>
+                          <p:cTn id="4" fill="hold">
+                            <p:stCondLst>
+                              <p:cond delay="0"/>
+                            </p:stCondLst>
+                            <p:childTnLst>
+                              <p:par>
+                                <p:cTn id="5" presetID="1" presetClass="entr" presetSubtype="0" fill="hold" nodeType="clickEffect">
+                                  <p:stCondLst>
+                                    <p:cond delay="0"/>
+                                  </p:stCondLst>
+                                  <p:childTnLst>
+                                    <p:set>
+                                      <p:cBhvr>
+                                        <p:cTn id="6" dur="1" fill="hold">
+                                          <p:stCondLst>
+                                            <p:cond delay="0"/>
+                                          </p:stCondLst>
+                                        </p:cTn>
+                                        <p:tgtEl>
+                                          <p:spTgt spid="4">
+                                            <p:txEl>
+                                              <p:pRg st="0" end="0"/>
+                                            </p:txEl>
+                                          </p:spTgt>
+                                        </p:tgtEl>
+                                        <p:attrNameLst>
+                                          <p:attrName>style.visibility</p:attrName>
+                                        </p:attrNameLst>
+                                      </p:cBhvr>
+                                      <p:to>
+                                        <p:strVal val="visible"/>
+                                      </p:to>
+                                    </p:set>
+                                  </p:childTnLst>
+                                </p:cTn>
+                              </p:par>
+                              <p:par>
+                                <p:cTn id="7" presetID="1" presetClass="entr" presetSubtype="0" fill="hold" nodeType="withEffect">
+                                  <p:stCondLst>
+                                    <p:cond delay="0"/>
+                                  </p:stCondLst>
+                                  <p:childTnLst>
+                                    <p:set>
+                                      <p:cBhvr>
+                                        <p:cTn id="8" dur="1" fill="hold">
+                                          <p:stCondLst>
+                                            <p:cond delay="0"/>
+                                          </p:stCondLst>
+                                        </p:cTn>
+                                        <p:tgtEl>
+                                          <p:spTgt spid="4">
+                                            <p:txEl>
+                                              <p:pRg st="2" end="2"/>
+                                            </p:txEl>
+                                          </p:spTgt>
+                                        </p:tgtEl>
+                                        <p:attrNameLst>
+                                          <p:attrName>style.visibility</p:attrName>
+                                        </p:attrNameLst>
+                                      </p:cBhvr>
+                                      <p:to>
+                                        <p:strVal val="visible"/>
+                                      </p:to>
+                                    </p:set>
+                                  </p:childTnLst>
+                                </p:cTn>
+                              </p:par>
+                              <p:par>
+                                <p:cTn id="9" presetID="1" presetClass="entr" presetSubtype="0" fill="hold" nodeType="withEffect">
+                                  <p:stCondLst>
+                                    <p:cond delay="0"/>
+                                  </p:stCondLst>
+                                  <p:childTnLst>
+                                    <p:set>
+                                      <p:cBhvr>
+                                        <p:cTn id="10" dur="1" fill="hold">
+                                          <p:stCondLst>
+                                            <p:cond delay="0"/>
+                                          </p:stCondLst>
+                                        </p:cTn>
+                                        <p:tgtEl>
+                                          <p:spTgt spid="4">
+                                            <p:txEl>
+                                              <p:pRg st="3" end="3"/>
+                                            </p:txEl>
+                                          </p:spTgt>
+                                        </p:tgtEl>
+                                        <p:attrNameLst>
+                                          <p:attrName>style.visibility</p:attrName>
+                                        </p:attrNameLst>
+                                      </p:cBhvr>
+                                      <p:to>
+                                        <p:strVal val="visible"/>
+                                      </p:to>
+                                    </p:set>
+                                  </p:childTnLst>
+                                </p:cTn>
+                              </p:par>
+                              <p:par>
+                                <p:cTn id="11" presetID="1" presetClass="entr" presetSubtype="0" fill="hold" nodeType="withEffect">
+                                  <p:stCondLst>
+                                    <p:cond delay="0"/>
+                                  </p:stCondLst>
+                                  <p:childTnLst>
+                                    <p:set>
+                                      <p:cBhvr>
+                                        <p:cTn id="12" dur="1" fill="hold">
+                                          <p:stCondLst>
+                                            <p:cond delay="0"/>
+                                          </p:stCondLst>
+                                        </p:cTn>
+                                        <p:tgtEl>
+                                          <p:spTgt spid="4">
+                                            <p:txEl>
+                                              <p:pRg st="4" end="4"/>
+                                            </p:txEl>
+                                          </p:spTgt>
+                                        </p:tgtEl>
+                                        <p:attrNameLst>
+                                          <p:attrName>style.visibility</p:attrName>
+                                        </p:attrNameLst>
+                                      </p:cBhvr>
+                                      <p:to>
+                                        <p:strVal val="visible"/>
+                                      </p:to>
+                                    </p:set>
+                                  </p:childTnLst>
+                                </p:cTn>
+                              </p:par>
+                              <p:par>
+                                <p:cTn id="13" presetID="1" presetClass="entr" presetSubtype="0" fill="hold" nodeType="withEffect">
+                                  <p:stCondLst>
+                                    <p:cond delay="0"/>
+                                  </p:stCondLst>
+                                  <p:childTnLst>
+                                    <p:set>
+                                      <p:cBhvr>
+                                        <p:cTn id="14" dur="1" fill="hold">
+                                          <p:stCondLst>
+                                            <p:cond delay="0"/>
+                                          </p:stCondLst>
+                                        </p:cTn>
+                                        <p:tgtEl>
+                                          <p:spTgt spid="4">
+                                            <p:txEl>
+                                              <p:pRg st="6" end="6"/>
+                                            </p:txEl>
+                                          </p:spTgt>
+                                        </p:tgtEl>
+                                        <p:attrNameLst>
+                                          <p:attrName>style.visibility</p:attrName>
+                                        </p:attrNameLst>
+                                      </p:cBhvr>
+                                      <p:to>
+                                        <p:strVal val="visible"/>
+                                      </p:to>
+                                    </p:set>
+                                  </p:childTnLst>
+                                </p:cTn>
+                              </p:par>
+                              <p:par>
+                                <p:cTn id="15" presetID="1" presetClass="entr" presetSubtype="0" fill="hold" nodeType="withEffect">
+                                  <p:stCondLst>
+                                    <p:cond delay="0"/>
+                                  </p:stCondLst>
+                                  <p:childTnLst>
+                                    <p:set>
+                                      <p:cBhvr>
+                                        <p:cTn id="16" dur="1" fill="hold">
+                                          <p:stCondLst>
+                                            <p:cond delay="0"/>
+                                          </p:stCondLst>
+                                        </p:cTn>
+                                        <p:tgtEl>
+                                          <p:spTgt spid="4">
+                                            <p:txEl>
+                                              <p:pRg st="7" end="7"/>
+                                            </p:txEl>
+                                          </p:spTgt>
+                                        </p:tgtEl>
+                                        <p:attrNameLst>
+                                          <p:attrName>style.visibility</p:attrName>
+                                        </p:attrNameLst>
+                                      </p:cBhvr>
+                                      <p:to>
+                                        <p:strVal val="visible"/>
+                                      </p:to>
+                                    </p:set>
+                                  </p:childTnLst>
+                                </p:cTn>
+                              </p:par>
+                            </p:childTnLst>
+                          </p:cTn>
+                        </p:par>
+                      </p:childTnLst>
+                    </p:cTn>
+                  </p:par>
+                </p:childTnLst>
+              </p:cTn>
+              <p:prevCondLst>
+                <p:cond evt="onPrev" delay="0">
+                  <p:tgtEl>
+                    <p:sldTgt/>
+                  </p:tgtEl>
+                </p:cond>
+              </p:prevCondLst>
+              <p:nextCondLst>
+                <p:cond evt="onNext" delay="0">
+                  <p:tgtEl>
+                    <p:sldTgt/>
+                  </p:tgtEl>
+                </p:cond>
+              </p:nextCondLst>
+            </p:seq>
+          </p:childTnLst>
+        </p:cTn>
+      </p:par>
+    </p:tnLst>
+  </p:timing>
+</p:sld>
+</file>
+
+<file path=ppt/slides/slide12.xml><?xml version="1.0" encoding="utf-8"?>
+<p:sld xmlns:a="http://schemas.openxmlformats.org/drawingml/2006/main" xmlns:r="http://schemas.openxmlformats.org/officeDocument/2006/relationships" xmlns:p="http://schemas.openxmlformats.org/presentationml/2006/main">
+  <p:cSld>
+    <p:spTree>
+      <p:nvGrpSpPr>
+        <p:cNvPr id="1" name=""/>
+        <p:cNvGrpSpPr/>
+        <p:nvPr/>
+      </p:nvGrpSpPr>
+      <p:grpSpPr>
+        <a:xfrm>
+          <a:off x="0" y="0"/>
+          <a:ext cx="0" cy="0"/>
+          <a:chOff x="0" y="0"/>
+          <a:chExt cx="0" cy="0"/>
+        </a:xfrm>
+      </p:grpSpPr>
+      <p:sp>
+        <p:nvSpPr>
+          <p:cNvPr id="4" name="Title 3">
+            <a:extLst>
+              <a:ext uri="{FF2B5EF4-FFF2-40B4-BE49-F238E27FC236}">
+                <a16:creationId xmlns:a16="http://schemas.microsoft.com/office/drawing/2014/main" id="{44A487E8-A8B9-54F4-88C4-439E41D9F03B}"/>
+              </a:ext>
+            </a:extLst>
+          </p:cNvPr>
+          <p:cNvSpPr>
+            <a:spLocks noGrp="1"/>
+          </p:cNvSpPr>
+          <p:nvPr>
+            <p:ph type="ctrTitle"/>
+          </p:nvPr>
+        </p:nvSpPr>
+        <p:spPr>
+          <a:xfrm>
+            <a:off x="1751012" y="1849425"/>
+            <a:ext cx="8689976" cy="2509213"/>
+          </a:xfrm>
+        </p:spPr>
+        <p:txBody>
+          <a:bodyPr/>
+          <a:lstStyle/>
+          <a:p>
+            <a:r>
+              <a:rPr lang="en-IN" sz="9600" b="1" cap="none" dirty="0">
+                <a:ln w="9525">
+                  <a:solidFill>
+                    <a:schemeClr val="bg1"/>
+                  </a:solidFill>
+                  <a:prstDash val="solid"/>
+                </a:ln>
+                <a:solidFill>
+                  <a:schemeClr val="accent5"/>
+                </a:solidFill>
+                <a:effectLst>
+                  <a:outerShdw blurRad="12700" dist="38100" dir="2700000" algn="tl" rotWithShape="0">
+                    <a:schemeClr val="accent5">
+                      <a:lumMod val="60000"/>
+                      <a:lumOff val="40000"/>
+                    </a:schemeClr>
+                  </a:outerShdw>
+                </a:effectLst>
+              </a:rPr>
+              <a:t>THANK YOU</a:t>
+            </a:r>
+            <a:endParaRPr lang="en-IN" dirty="0"/>
+          </a:p>
+        </p:txBody>
+      </p:sp>
+    </p:spTree>
+    <p:extLst>
+      <p:ext uri="{BB962C8B-B14F-4D97-AF65-F5344CB8AC3E}">
+        <p14:creationId xmlns:p14="http://schemas.microsoft.com/office/powerpoint/2010/main" val="74241340"/>
+      </p:ext>
+    </p:extLst>
+  </p:cSld>
+  <p:clrMapOvr>
+    <a:masterClrMapping/>
+  </p:clrMapOvr>
+</p:sld>
+</file>
+
 <file path=ppt/slides/slide2.xml><?xml version="1.0" encoding="utf-8"?>
 <p:sld xmlns:a="http://schemas.openxmlformats.org/drawingml/2006/main" xmlns:r="http://schemas.openxmlformats.org/officeDocument/2006/relationships" xmlns:p="http://schemas.openxmlformats.org/presentationml/2006/main">
   <p:cSld>
@@ -7786,7 +8422,7 @@
                 <a:effectLst/>
                 <a:latin typeface="Arial" panose="020B0604020202020204" pitchFamily="34" charset="0"/>
               </a:rPr>
-              <a:t>YOLOv2 (You Only Look Once, Version 3):</a:t>
+              <a:t>YOLOv3 (You Only Look Once, Version 3):</a:t>
             </a:r>
           </a:p>
           <a:p>
@@ -8846,12 +9482,194 @@
           <a:chExt cx="0" cy="0"/>
         </a:xfrm>
       </p:grpSpPr>
-      <p:sp>
-        <p:nvSpPr>
-          <p:cNvPr id="4" name="TextBox 3">
+      <p:pic>
+        <p:nvPicPr>
+          <p:cNvPr id="5" name="Picture 4">
             <a:extLst>
               <a:ext uri="{FF2B5EF4-FFF2-40B4-BE49-F238E27FC236}">
-                <a16:creationId xmlns:a16="http://schemas.microsoft.com/office/drawing/2014/main" id="{0612DEC1-BF05-C18A-3A67-87D4BC513901}"/>
+                <a16:creationId xmlns:a16="http://schemas.microsoft.com/office/drawing/2014/main" id="{ED7D95A0-E34C-2590-FD34-55C52252DBCA}"/>
+              </a:ext>
+            </a:extLst>
+          </p:cNvPr>
+          <p:cNvPicPr>
+            <a:picLocks noChangeAspect="1"/>
+          </p:cNvPicPr>
+          <p:nvPr/>
+        </p:nvPicPr>
+        <p:blipFill>
+          <a:blip r:embed="rId2"/>
+          <a:stretch>
+            <a:fillRect/>
+          </a:stretch>
+        </p:blipFill>
+        <p:spPr>
+          <a:xfrm>
+            <a:off x="407670" y="229553"/>
+            <a:ext cx="5543113" cy="2731533"/>
+          </a:xfrm>
+          <a:prstGeom prst="rect">
+            <a:avLst/>
+          </a:prstGeom>
+        </p:spPr>
+      </p:pic>
+      <p:pic>
+        <p:nvPicPr>
+          <p:cNvPr id="9" name="Picture 8">
+            <a:extLst>
+              <a:ext uri="{FF2B5EF4-FFF2-40B4-BE49-F238E27FC236}">
+                <a16:creationId xmlns:a16="http://schemas.microsoft.com/office/drawing/2014/main" id="{2A9F2F9B-0911-792C-CE59-2E727C93809F}"/>
+              </a:ext>
+            </a:extLst>
+          </p:cNvPr>
+          <p:cNvPicPr>
+            <a:picLocks noChangeAspect="1"/>
+          </p:cNvPicPr>
+          <p:nvPr/>
+        </p:nvPicPr>
+        <p:blipFill>
+          <a:blip r:embed="rId3"/>
+          <a:stretch>
+            <a:fillRect/>
+          </a:stretch>
+        </p:blipFill>
+        <p:spPr>
+          <a:xfrm>
+            <a:off x="7234485" y="229553"/>
+            <a:ext cx="4549845" cy="2723155"/>
+          </a:xfrm>
+          <a:prstGeom prst="rect">
+            <a:avLst/>
+          </a:prstGeom>
+        </p:spPr>
+      </p:pic>
+      <p:pic>
+        <p:nvPicPr>
+          <p:cNvPr id="6" name="Picture 5">
+            <a:extLst>
+              <a:ext uri="{FF2B5EF4-FFF2-40B4-BE49-F238E27FC236}">
+                <a16:creationId xmlns:a16="http://schemas.microsoft.com/office/drawing/2014/main" id="{F208A263-4B51-8551-C99C-9CA508DD8BDC}"/>
+              </a:ext>
+            </a:extLst>
+          </p:cNvPr>
+          <p:cNvPicPr>
+            <a:picLocks noChangeAspect="1"/>
+          </p:cNvPicPr>
+          <p:nvPr/>
+        </p:nvPicPr>
+        <p:blipFill>
+          <a:blip r:embed="rId4"/>
+          <a:stretch>
+            <a:fillRect/>
+          </a:stretch>
+        </p:blipFill>
+        <p:spPr>
+          <a:xfrm>
+            <a:off x="6959071" y="4284325"/>
+            <a:ext cx="5100669" cy="1213505"/>
+          </a:xfrm>
+          <a:prstGeom prst="rect">
+            <a:avLst/>
+          </a:prstGeom>
+        </p:spPr>
+      </p:pic>
+      <p:sp>
+        <p:nvSpPr>
+          <p:cNvPr id="7" name="Arrow: Right 6">
+            <a:extLst>
+              <a:ext uri="{FF2B5EF4-FFF2-40B4-BE49-F238E27FC236}">
+                <a16:creationId xmlns:a16="http://schemas.microsoft.com/office/drawing/2014/main" id="{5AA67B2E-8E76-4C8B-664F-5217957607F2}"/>
+              </a:ext>
+            </a:extLst>
+          </p:cNvPr>
+          <p:cNvSpPr/>
+          <p:nvPr/>
+        </p:nvSpPr>
+        <p:spPr>
+          <a:xfrm>
+            <a:off x="6096000" y="1360170"/>
+            <a:ext cx="1036320" cy="320040"/>
+          </a:xfrm>
+          <a:prstGeom prst="rightArrow">
+            <a:avLst/>
+          </a:prstGeom>
+        </p:spPr>
+        <p:style>
+          <a:lnRef idx="2">
+            <a:schemeClr val="accent1">
+              <a:shade val="15000"/>
+            </a:schemeClr>
+          </a:lnRef>
+          <a:fillRef idx="1">
+            <a:schemeClr val="accent1"/>
+          </a:fillRef>
+          <a:effectRef idx="0">
+            <a:schemeClr val="accent1"/>
+          </a:effectRef>
+          <a:fontRef idx="minor">
+            <a:schemeClr val="lt1"/>
+          </a:fontRef>
+        </p:style>
+        <p:txBody>
+          <a:bodyPr rtlCol="0" anchor="ctr"/>
+          <a:lstStyle/>
+          <a:p>
+            <a:pPr algn="ctr"/>
+            <a:endParaRPr lang="en-IN"/>
+          </a:p>
+        </p:txBody>
+      </p:sp>
+      <p:sp>
+        <p:nvSpPr>
+          <p:cNvPr id="8" name="Arrow: Right 7">
+            <a:extLst>
+              <a:ext uri="{FF2B5EF4-FFF2-40B4-BE49-F238E27FC236}">
+                <a16:creationId xmlns:a16="http://schemas.microsoft.com/office/drawing/2014/main" id="{E7851E78-18D9-70BB-E4AC-60EFE51B42D4}"/>
+              </a:ext>
+            </a:extLst>
+          </p:cNvPr>
+          <p:cNvSpPr/>
+          <p:nvPr/>
+        </p:nvSpPr>
+        <p:spPr>
+          <a:xfrm rot="5400000">
+            <a:off x="8991246" y="3421380"/>
+            <a:ext cx="1036320" cy="320040"/>
+          </a:xfrm>
+          <a:prstGeom prst="rightArrow">
+            <a:avLst/>
+          </a:prstGeom>
+        </p:spPr>
+        <p:style>
+          <a:lnRef idx="2">
+            <a:schemeClr val="accent1">
+              <a:shade val="15000"/>
+            </a:schemeClr>
+          </a:lnRef>
+          <a:fillRef idx="1">
+            <a:schemeClr val="accent1"/>
+          </a:fillRef>
+          <a:effectRef idx="0">
+            <a:schemeClr val="accent1"/>
+          </a:effectRef>
+          <a:fontRef idx="minor">
+            <a:schemeClr val="lt1"/>
+          </a:fontRef>
+        </p:style>
+        <p:txBody>
+          <a:bodyPr rtlCol="0" anchor="ctr"/>
+          <a:lstStyle/>
+          <a:p>
+            <a:pPr algn="ctr"/>
+            <a:endParaRPr lang="en-IN"/>
+          </a:p>
+        </p:txBody>
+      </p:sp>
+      <p:sp>
+        <p:nvSpPr>
+          <p:cNvPr id="11" name="TextBox 10">
+            <a:extLst>
+              <a:ext uri="{FF2B5EF4-FFF2-40B4-BE49-F238E27FC236}">
+                <a16:creationId xmlns:a16="http://schemas.microsoft.com/office/drawing/2014/main" id="{BA32401F-E93A-1ED6-5601-021CABD57A47}"/>
               </a:ext>
             </a:extLst>
           </p:cNvPr>
@@ -8860,8 +9678,8 @@
         </p:nvSpPr>
         <p:spPr>
           <a:xfrm>
-            <a:off x="1585913" y="457468"/>
-            <a:ext cx="6097904" cy="5509200"/>
+            <a:off x="132260" y="3661886"/>
+            <a:ext cx="6097904" cy="2308324"/>
           </a:xfrm>
           <a:prstGeom prst="rect">
             <a:avLst/>
@@ -8874,50 +9692,17 @@
           </a:bodyPr>
           <a:lstStyle/>
           <a:p>
-            <a:r>
-              <a:rPr lang="en-US" sz="3200" b="1" dirty="0"/>
-              <a:t>Results and Conclusion</a:t>
-            </a:r>
-          </a:p>
-          <a:p>
             <a:pPr>
               <a:buFont typeface="Arial" panose="020B0604020202020204" pitchFamily="34" charset="0"/>
               <a:buChar char="•"/>
             </a:pPr>
             <a:r>
-              <a:rPr lang="en-US" sz="3200" b="1" dirty="0"/>
-              <a:t>Results</a:t>
-            </a:r>
-            <a:r>
-              <a:rPr lang="en-US" sz="3200" dirty="0"/>
-              <a:t>:</a:t>
-            </a:r>
-            <a:br>
-              <a:rPr lang="en-US" sz="3200" dirty="0"/>
-            </a:br>
-            <a:r>
-              <a:rPr lang="en-US" sz="3200" dirty="0"/>
-              <a:t>Successfully extracted and categorized data from lab reports.</a:t>
-            </a:r>
-          </a:p>
-          <a:p>
-            <a:pPr marL="742950" lvl="1" indent="-285750">
-              <a:buFont typeface="Arial" panose="020B0604020202020204" pitchFamily="34" charset="0"/>
-              <a:buChar char="•"/>
-            </a:pPr>
-            <a:r>
-              <a:rPr lang="en-US" sz="3200" dirty="0"/>
-              <a:t>Exported results as CSV.</a:t>
-            </a:r>
-          </a:p>
-          <a:p>
-            <a:pPr marL="742950" lvl="1" indent="-285750">
-              <a:buFont typeface="Arial" panose="020B0604020202020204" pitchFamily="34" charset="0"/>
-              <a:buChar char="•"/>
-            </a:pPr>
-            <a:r>
-              <a:rPr lang="en-US" sz="3200" dirty="0"/>
-              <a:t>Visualized regions of interest in processed images.</a:t>
+              <a:rPr lang="en-US" sz="2400" b="1" dirty="0"/>
+              <a:t>Step 1</a:t>
+            </a:r>
+            <a:r>
+              <a:rPr lang="en-US" sz="2400" dirty="0"/>
+              <a:t>: Load lab report image using OpenCV.</a:t>
             </a:r>
           </a:p>
           <a:p>
@@ -8926,36 +9711,40 @@
               <a:buChar char="•"/>
             </a:pPr>
             <a:r>
-              <a:rPr lang="en-US" sz="3200" b="1" dirty="0"/>
-              <a:t>Next Steps</a:t>
-            </a:r>
-            <a:r>
-              <a:rPr lang="en-US" sz="3200" dirty="0"/>
-              <a:t>:</a:t>
-            </a:r>
-          </a:p>
-          <a:p>
-            <a:pPr marL="742950" lvl="1" indent="-285750">
+              <a:rPr lang="en-US" sz="2400" b="1" dirty="0"/>
+              <a:t>Step 2</a:t>
+            </a:r>
+            <a:r>
+              <a:rPr lang="en-US" sz="2400" dirty="0"/>
+              <a:t>: Apply YOLOv3 for bounding box detection.</a:t>
+            </a:r>
+          </a:p>
+          <a:p>
+            <a:pPr>
               <a:buFont typeface="Arial" panose="020B0604020202020204" pitchFamily="34" charset="0"/>
               <a:buChar char="•"/>
             </a:pPr>
             <a:r>
-              <a:rPr lang="en-US" sz="3200" dirty="0"/>
-              <a:t>Expand to more report types.</a:t>
-            </a:r>
-          </a:p>
-          <a:p>
-            <a:pPr marL="742950" lvl="1" indent="-285750">
+              <a:rPr lang="en-US" sz="2400" b="1" dirty="0"/>
+              <a:t>Step 3</a:t>
+            </a:r>
+            <a:r>
+              <a:rPr lang="en-US" sz="2400" dirty="0"/>
+              <a:t>: Use Tesseract for text extraction.</a:t>
+            </a:r>
+          </a:p>
+          <a:p>
+            <a:pPr>
               <a:buFont typeface="Arial" panose="020B0604020202020204" pitchFamily="34" charset="0"/>
               <a:buChar char="•"/>
             </a:pPr>
             <a:r>
-              <a:rPr lang="en-US" sz="3200" dirty="0"/>
-              <a:t>Improve fuzzy matching accuracy</a:t>
-            </a:r>
-            <a:r>
-              <a:rPr lang="en-US" dirty="0"/>
-              <a:t>.</a:t>
+              <a:rPr lang="en-US" sz="2400" b="1" dirty="0"/>
+              <a:t>Step 4</a:t>
+            </a:r>
+            <a:r>
+              <a:rPr lang="en-US" sz="2400" dirty="0"/>
+              <a:t>: Perform fuzzy matching for detected words (test names, units).</a:t>
             </a:r>
           </a:p>
         </p:txBody>
@@ -8963,278 +9752,13 @@
     </p:spTree>
     <p:extLst>
       <p:ext uri="{BB962C8B-B14F-4D97-AF65-F5344CB8AC3E}">
-        <p14:creationId xmlns:p14="http://schemas.microsoft.com/office/powerpoint/2010/main" val="782414008"/>
+        <p14:creationId xmlns:p14="http://schemas.microsoft.com/office/powerpoint/2010/main" val="4262743066"/>
       </p:ext>
     </p:extLst>
   </p:cSld>
   <p:clrMapOvr>
     <a:masterClrMapping/>
   </p:clrMapOvr>
-  <p:timing>
-    <p:tnLst>
-      <p:par>
-        <p:cTn id="1" dur="indefinite" restart="never" nodeType="tmRoot">
-          <p:childTnLst>
-            <p:seq concurrent="1" nextAc="seek">
-              <p:cTn id="2" dur="indefinite" nodeType="mainSeq">
-                <p:childTnLst>
-                  <p:par>
-                    <p:cTn id="3" fill="hold">
-                      <p:stCondLst>
-                        <p:cond delay="indefinite"/>
-                      </p:stCondLst>
-                      <p:childTnLst>
-                        <p:par>
-                          <p:cTn id="4" fill="hold">
-                            <p:stCondLst>
-                              <p:cond delay="0"/>
-                            </p:stCondLst>
-                            <p:childTnLst>
-                              <p:par>
-                                <p:cTn id="5" presetID="1" presetClass="entr" presetSubtype="0" fill="hold" nodeType="clickEffect">
-                                  <p:stCondLst>
-                                    <p:cond delay="0"/>
-                                  </p:stCondLst>
-                                  <p:childTnLst>
-                                    <p:set>
-                                      <p:cBhvr>
-                                        <p:cTn id="6" dur="1" fill="hold">
-                                          <p:stCondLst>
-                                            <p:cond delay="0"/>
-                                          </p:stCondLst>
-                                        </p:cTn>
-                                        <p:tgtEl>
-                                          <p:spTgt spid="4">
-                                            <p:txEl>
-                                              <p:pRg st="0" end="0"/>
-                                            </p:txEl>
-                                          </p:spTgt>
-                                        </p:tgtEl>
-                                        <p:attrNameLst>
-                                          <p:attrName>style.visibility</p:attrName>
-                                        </p:attrNameLst>
-                                      </p:cBhvr>
-                                      <p:to>
-                                        <p:strVal val="visible"/>
-                                      </p:to>
-                                    </p:set>
-                                  </p:childTnLst>
-                                </p:cTn>
-                              </p:par>
-                              <p:par>
-                                <p:cTn id="7" presetID="1" presetClass="entr" presetSubtype="0" fill="hold" nodeType="withEffect">
-                                  <p:stCondLst>
-                                    <p:cond delay="0"/>
-                                  </p:stCondLst>
-                                  <p:childTnLst>
-                                    <p:set>
-                                      <p:cBhvr>
-                                        <p:cTn id="8" dur="1" fill="hold">
-                                          <p:stCondLst>
-                                            <p:cond delay="0"/>
-                                          </p:stCondLst>
-                                        </p:cTn>
-                                        <p:tgtEl>
-                                          <p:spTgt spid="4">
-                                            <p:txEl>
-                                              <p:pRg st="1" end="1"/>
-                                            </p:txEl>
-                                          </p:spTgt>
-                                        </p:tgtEl>
-                                        <p:attrNameLst>
-                                          <p:attrName>style.visibility</p:attrName>
-                                        </p:attrNameLst>
-                                      </p:cBhvr>
-                                      <p:to>
-                                        <p:strVal val="visible"/>
-                                      </p:to>
-                                    </p:set>
-                                  </p:childTnLst>
-                                </p:cTn>
-                              </p:par>
-                              <p:par>
-                                <p:cTn id="9" presetID="1" presetClass="entr" presetSubtype="0" fill="hold" nodeType="withEffect">
-                                  <p:stCondLst>
-                                    <p:cond delay="0"/>
-                                  </p:stCondLst>
-                                  <p:childTnLst>
-                                    <p:set>
-                                      <p:cBhvr>
-                                        <p:cTn id="10" dur="1" fill="hold">
-                                          <p:stCondLst>
-                                            <p:cond delay="0"/>
-                                          </p:stCondLst>
-                                        </p:cTn>
-                                        <p:tgtEl>
-                                          <p:spTgt spid="4">
-                                            <p:txEl>
-                                              <p:pRg st="2" end="2"/>
-                                            </p:txEl>
-                                          </p:spTgt>
-                                        </p:tgtEl>
-                                        <p:attrNameLst>
-                                          <p:attrName>style.visibility</p:attrName>
-                                        </p:attrNameLst>
-                                      </p:cBhvr>
-                                      <p:to>
-                                        <p:strVal val="visible"/>
-                                      </p:to>
-                                    </p:set>
-                                  </p:childTnLst>
-                                </p:cTn>
-                              </p:par>
-                              <p:par>
-                                <p:cTn id="11" presetID="1" presetClass="entr" presetSubtype="0" fill="hold" nodeType="withEffect">
-                                  <p:stCondLst>
-                                    <p:cond delay="0"/>
-                                  </p:stCondLst>
-                                  <p:childTnLst>
-                                    <p:set>
-                                      <p:cBhvr>
-                                        <p:cTn id="12" dur="1" fill="hold">
-                                          <p:stCondLst>
-                                            <p:cond delay="0"/>
-                                          </p:stCondLst>
-                                        </p:cTn>
-                                        <p:tgtEl>
-                                          <p:spTgt spid="4">
-                                            <p:txEl>
-                                              <p:pRg st="3" end="3"/>
-                                            </p:txEl>
-                                          </p:spTgt>
-                                        </p:tgtEl>
-                                        <p:attrNameLst>
-                                          <p:attrName>style.visibility</p:attrName>
-                                        </p:attrNameLst>
-                                      </p:cBhvr>
-                                      <p:to>
-                                        <p:strVal val="visible"/>
-                                      </p:to>
-                                    </p:set>
-                                  </p:childTnLst>
-                                </p:cTn>
-                              </p:par>
-                              <p:par>
-                                <p:cTn id="13" presetID="1" presetClass="entr" presetSubtype="0" fill="hold" nodeType="withEffect">
-                                  <p:stCondLst>
-                                    <p:cond delay="0"/>
-                                  </p:stCondLst>
-                                  <p:childTnLst>
-                                    <p:set>
-                                      <p:cBhvr>
-                                        <p:cTn id="14" dur="1" fill="hold">
-                                          <p:stCondLst>
-                                            <p:cond delay="0"/>
-                                          </p:stCondLst>
-                                        </p:cTn>
-                                        <p:tgtEl>
-                                          <p:spTgt spid="4">
-                                            <p:txEl>
-                                              <p:pRg st="4" end="4"/>
-                                            </p:txEl>
-                                          </p:spTgt>
-                                        </p:tgtEl>
-                                        <p:attrNameLst>
-                                          <p:attrName>style.visibility</p:attrName>
-                                        </p:attrNameLst>
-                                      </p:cBhvr>
-                                      <p:to>
-                                        <p:strVal val="visible"/>
-                                      </p:to>
-                                    </p:set>
-                                  </p:childTnLst>
-                                </p:cTn>
-                              </p:par>
-                              <p:par>
-                                <p:cTn id="15" presetID="1" presetClass="entr" presetSubtype="0" fill="hold" nodeType="withEffect">
-                                  <p:stCondLst>
-                                    <p:cond delay="0"/>
-                                  </p:stCondLst>
-                                  <p:childTnLst>
-                                    <p:set>
-                                      <p:cBhvr>
-                                        <p:cTn id="16" dur="1" fill="hold">
-                                          <p:stCondLst>
-                                            <p:cond delay="0"/>
-                                          </p:stCondLst>
-                                        </p:cTn>
-                                        <p:tgtEl>
-                                          <p:spTgt spid="4">
-                                            <p:txEl>
-                                              <p:pRg st="5" end="5"/>
-                                            </p:txEl>
-                                          </p:spTgt>
-                                        </p:tgtEl>
-                                        <p:attrNameLst>
-                                          <p:attrName>style.visibility</p:attrName>
-                                        </p:attrNameLst>
-                                      </p:cBhvr>
-                                      <p:to>
-                                        <p:strVal val="visible"/>
-                                      </p:to>
-                                    </p:set>
-                                  </p:childTnLst>
-                                </p:cTn>
-                              </p:par>
-                              <p:par>
-                                <p:cTn id="17" presetID="1" presetClass="entr" presetSubtype="0" fill="hold" nodeType="withEffect">
-                                  <p:stCondLst>
-                                    <p:cond delay="0"/>
-                                  </p:stCondLst>
-                                  <p:childTnLst>
-                                    <p:set>
-                                      <p:cBhvr>
-                                        <p:cTn id="18" dur="1" fill="hold">
-                                          <p:stCondLst>
-                                            <p:cond delay="0"/>
-                                          </p:stCondLst>
-                                        </p:cTn>
-                                        <p:tgtEl>
-                                          <p:spTgt spid="4">
-                                            <p:txEl>
-                                              <p:pRg st="6" end="6"/>
-                                            </p:txEl>
-                                          </p:spTgt>
-                                        </p:tgtEl>
-                                        <p:attrNameLst>
-                                          <p:attrName>style.visibility</p:attrName>
-                                        </p:attrNameLst>
-                                      </p:cBhvr>
-                                      <p:to>
-                                        <p:strVal val="visible"/>
-                                      </p:to>
-                                    </p:set>
-                                  </p:childTnLst>
-                                </p:cTn>
-                              </p:par>
-                            </p:childTnLst>
-                          </p:cTn>
-                        </p:par>
-                      </p:childTnLst>
-                    </p:cTn>
-                  </p:par>
-                </p:childTnLst>
-              </p:cTn>
-              <p:prevCondLst>
-                <p:cond evt="onPrev" delay="0">
-                  <p:tgtEl>
-                    <p:sldTgt/>
-                  </p:tgtEl>
-                </p:cond>
-              </p:prevCondLst>
-              <p:nextCondLst>
-                <p:cond evt="onNext" delay="0">
-                  <p:tgtEl>
-                    <p:sldTgt/>
-                  </p:tgtEl>
-                </p:cond>
-              </p:nextCondLst>
-            </p:seq>
-          </p:childTnLst>
-        </p:cTn>
-      </p:par>
-    </p:tnLst>
-  </p:timing>
 </p:sld>
 </file>
 
@@ -9255,60 +9779,165 @@
           <a:chExt cx="0" cy="0"/>
         </a:xfrm>
       </p:grpSpPr>
-      <p:sp>
-        <p:nvSpPr>
-          <p:cNvPr id="2" name="Title 1">
+      <p:pic>
+        <p:nvPicPr>
+          <p:cNvPr id="11" name="Picture 10">
             <a:extLst>
               <a:ext uri="{FF2B5EF4-FFF2-40B4-BE49-F238E27FC236}">
-                <a16:creationId xmlns:a16="http://schemas.microsoft.com/office/drawing/2014/main" id="{35D545B5-B40B-4DE7-D25E-1B66B6D14C2E}"/>
+                <a16:creationId xmlns:a16="http://schemas.microsoft.com/office/drawing/2014/main" id="{22C03D96-D859-6D2D-8042-C52B7EE97131}"/>
               </a:ext>
             </a:extLst>
           </p:cNvPr>
-          <p:cNvSpPr>
-            <a:spLocks noGrp="1"/>
-          </p:cNvSpPr>
-          <p:nvPr>
-            <p:ph type="title"/>
-          </p:nvPr>
-        </p:nvSpPr>
-        <p:spPr/>
-        <p:txBody>
-          <a:bodyPr/>
-          <a:lstStyle/>
-          <a:p>
-            <a:endParaRPr lang="en-IN"/>
-          </a:p>
-        </p:txBody>
-      </p:sp>
-      <p:sp>
-        <p:nvSpPr>
-          <p:cNvPr id="3" name="Content Placeholder 2">
+          <p:cNvPicPr>
+            <a:picLocks noChangeAspect="1"/>
+          </p:cNvPicPr>
+          <p:nvPr/>
+        </p:nvPicPr>
+        <p:blipFill>
+          <a:blip r:embed="rId2"/>
+          <a:stretch>
+            <a:fillRect/>
+          </a:stretch>
+        </p:blipFill>
+        <p:spPr>
+          <a:xfrm>
+            <a:off x="2325065" y="272622"/>
+            <a:ext cx="5931205" cy="1054154"/>
+          </a:xfrm>
+          <a:prstGeom prst="rect">
+            <a:avLst/>
+          </a:prstGeom>
+        </p:spPr>
+      </p:pic>
+      <p:pic>
+        <p:nvPicPr>
+          <p:cNvPr id="13" name="Picture 12">
             <a:extLst>
               <a:ext uri="{FF2B5EF4-FFF2-40B4-BE49-F238E27FC236}">
-                <a16:creationId xmlns:a16="http://schemas.microsoft.com/office/drawing/2014/main" id="{D8C6C6C4-12BA-8F94-B343-7B2647618111}"/>
+                <a16:creationId xmlns:a16="http://schemas.microsoft.com/office/drawing/2014/main" id="{F538E013-F8B9-48CE-7B8F-4F66F5841917}"/>
               </a:ext>
             </a:extLst>
           </p:cNvPr>
-          <p:cNvSpPr>
-            <a:spLocks noGrp="1"/>
-          </p:cNvSpPr>
-          <p:nvPr>
-            <p:ph idx="1"/>
-          </p:nvPr>
-        </p:nvSpPr>
-        <p:spPr/>
-        <p:txBody>
-          <a:bodyPr/>
+          <p:cNvPicPr>
+            <a:picLocks noChangeAspect="1"/>
+          </p:cNvPicPr>
+          <p:nvPr/>
+        </p:nvPicPr>
+        <p:blipFill>
+          <a:blip r:embed="rId3"/>
+          <a:stretch>
+            <a:fillRect/>
+          </a:stretch>
+        </p:blipFill>
+        <p:spPr>
+          <a:xfrm>
+            <a:off x="2595574" y="2516666"/>
+            <a:ext cx="5070145" cy="3956478"/>
+          </a:xfrm>
+          <a:prstGeom prst="rect">
+            <a:avLst/>
+          </a:prstGeom>
+        </p:spPr>
+      </p:pic>
+      <p:sp>
+        <p:nvSpPr>
+          <p:cNvPr id="14" name="Arrow: Right 13">
+            <a:extLst>
+              <a:ext uri="{FF2B5EF4-FFF2-40B4-BE49-F238E27FC236}">
+                <a16:creationId xmlns:a16="http://schemas.microsoft.com/office/drawing/2014/main" id="{44759B95-A223-A57B-F2C8-9F779C42D81E}"/>
+              </a:ext>
+            </a:extLst>
+          </p:cNvPr>
+          <p:cNvSpPr/>
+          <p:nvPr/>
+        </p:nvSpPr>
+        <p:spPr>
+          <a:xfrm rot="5400000">
+            <a:off x="4772507" y="1684916"/>
+            <a:ext cx="1036320" cy="320040"/>
+          </a:xfrm>
+          <a:prstGeom prst="rightArrow">
+            <a:avLst/>
+          </a:prstGeom>
+        </p:spPr>
+        <p:style>
+          <a:lnRef idx="2">
+            <a:schemeClr val="accent1">
+              <a:shade val="15000"/>
+            </a:schemeClr>
+          </a:lnRef>
+          <a:fillRef idx="1">
+            <a:schemeClr val="accent1"/>
+          </a:fillRef>
+          <a:effectRef idx="0">
+            <a:schemeClr val="accent1"/>
+          </a:effectRef>
+          <a:fontRef idx="minor">
+            <a:schemeClr val="lt1"/>
+          </a:fontRef>
+        </p:style>
+        <p:txBody>
+          <a:bodyPr rtlCol="0" anchor="ctr"/>
           <a:lstStyle/>
           <a:p>
+            <a:pPr algn="ctr"/>
             <a:endParaRPr lang="en-IN"/>
+          </a:p>
+        </p:txBody>
+      </p:sp>
+      <p:sp>
+        <p:nvSpPr>
+          <p:cNvPr id="16" name="Cloud 15">
+            <a:extLst>
+              <a:ext uri="{FF2B5EF4-FFF2-40B4-BE49-F238E27FC236}">
+                <a16:creationId xmlns:a16="http://schemas.microsoft.com/office/drawing/2014/main" id="{A5193244-7F1D-E93A-3F8E-14DF8A8B635E}"/>
+              </a:ext>
+            </a:extLst>
+          </p:cNvPr>
+          <p:cNvSpPr/>
+          <p:nvPr/>
+        </p:nvSpPr>
+        <p:spPr>
+          <a:xfrm>
+            <a:off x="8256269" y="1326776"/>
+            <a:ext cx="3830473" cy="3050914"/>
+          </a:xfrm>
+          <a:prstGeom prst="cloud">
+            <a:avLst/>
+          </a:prstGeom>
+        </p:spPr>
+        <p:style>
+          <a:lnRef idx="2">
+            <a:schemeClr val="accent1">
+              <a:shade val="15000"/>
+            </a:schemeClr>
+          </a:lnRef>
+          <a:fillRef idx="1">
+            <a:schemeClr val="accent1"/>
+          </a:fillRef>
+          <a:effectRef idx="0">
+            <a:schemeClr val="accent1"/>
+          </a:effectRef>
+          <a:fontRef idx="minor">
+            <a:schemeClr val="lt1"/>
+          </a:fontRef>
+        </p:style>
+        <p:txBody>
+          <a:bodyPr rtlCol="0" anchor="ctr"/>
+          <a:lstStyle/>
+          <a:p>
+            <a:pPr algn="ctr"/>
+            <a:r>
+              <a:rPr lang="en-IN" sz="4400" dirty="0"/>
+              <a:t>FLASK INPUT</a:t>
+            </a:r>
           </a:p>
         </p:txBody>
       </p:sp>
     </p:spTree>
     <p:extLst>
       <p:ext uri="{BB962C8B-B14F-4D97-AF65-F5344CB8AC3E}">
-        <p14:creationId xmlns:p14="http://schemas.microsoft.com/office/powerpoint/2010/main" val="453544361"/>
+        <p14:creationId xmlns:p14="http://schemas.microsoft.com/office/powerpoint/2010/main" val="2279163502"/>
       </p:ext>
     </p:extLst>
   </p:cSld>

--- a/OCR_Project/Project _10_AWS.pptx
+++ b/OCR_Project/Project _10_AWS.pptx
@@ -305,7 +305,7 @@
           <a:p>
             <a:fld id="{451C6312-3BC7-4381-BECD-7D23415C0CC9}" type="datetimeFigureOut">
               <a:rPr lang="en-IN" smtClean="0"/>
-              <a:t>03-10-2024</a:t>
+              <a:t>04-10-2024</a:t>
             </a:fld>
             <a:endParaRPr lang="en-IN"/>
           </a:p>
@@ -620,7 +620,7 @@
           <a:p>
             <a:fld id="{451C6312-3BC7-4381-BECD-7D23415C0CC9}" type="datetimeFigureOut">
               <a:rPr lang="en-IN" smtClean="0"/>
-              <a:t>03-10-2024</a:t>
+              <a:t>04-10-2024</a:t>
             </a:fld>
             <a:endParaRPr lang="en-IN"/>
           </a:p>
@@ -842,7 +842,7 @@
           <a:p>
             <a:fld id="{451C6312-3BC7-4381-BECD-7D23415C0CC9}" type="datetimeFigureOut">
               <a:rPr lang="en-IN" smtClean="0"/>
-              <a:t>03-10-2024</a:t>
+              <a:t>04-10-2024</a:t>
             </a:fld>
             <a:endParaRPr lang="en-IN"/>
           </a:p>
@@ -1133,7 +1133,7 @@
           <a:p>
             <a:fld id="{451C6312-3BC7-4381-BECD-7D23415C0CC9}" type="datetimeFigureOut">
               <a:rPr lang="en-IN" smtClean="0"/>
-              <a:t>03-10-2024</a:t>
+              <a:t>04-10-2024</a:t>
             </a:fld>
             <a:endParaRPr lang="en-IN"/>
           </a:p>
@@ -1587,7 +1587,7 @@
           <a:p>
             <a:fld id="{451C6312-3BC7-4381-BECD-7D23415C0CC9}" type="datetimeFigureOut">
               <a:rPr lang="en-IN" smtClean="0"/>
-              <a:t>03-10-2024</a:t>
+              <a:t>04-10-2024</a:t>
             </a:fld>
             <a:endParaRPr lang="en-IN"/>
           </a:p>
@@ -2163,7 +2163,7 @@
           <a:p>
             <a:fld id="{451C6312-3BC7-4381-BECD-7D23415C0CC9}" type="datetimeFigureOut">
               <a:rPr lang="en-IN" smtClean="0"/>
-              <a:t>03-10-2024</a:t>
+              <a:t>04-10-2024</a:t>
             </a:fld>
             <a:endParaRPr lang="en-IN"/>
           </a:p>
@@ -3024,7 +3024,7 @@
           <a:p>
             <a:fld id="{451C6312-3BC7-4381-BECD-7D23415C0CC9}" type="datetimeFigureOut">
               <a:rPr lang="en-IN" smtClean="0"/>
-              <a:t>03-10-2024</a:t>
+              <a:t>04-10-2024</a:t>
             </a:fld>
             <a:endParaRPr lang="en-IN"/>
           </a:p>
@@ -3229,7 +3229,7 @@
           <a:p>
             <a:fld id="{451C6312-3BC7-4381-BECD-7D23415C0CC9}" type="datetimeFigureOut">
               <a:rPr lang="en-IN" smtClean="0"/>
-              <a:t>03-10-2024</a:t>
+              <a:t>04-10-2024</a:t>
             </a:fld>
             <a:endParaRPr lang="en-IN"/>
           </a:p>
@@ -3443,7 +3443,7 @@
           <a:p>
             <a:fld id="{451C6312-3BC7-4381-BECD-7D23415C0CC9}" type="datetimeFigureOut">
               <a:rPr lang="en-IN" smtClean="0"/>
-              <a:t>03-10-2024</a:t>
+              <a:t>04-10-2024</a:t>
             </a:fld>
             <a:endParaRPr lang="en-IN"/>
           </a:p>
@@ -3613,7 +3613,7 @@
           <a:p>
             <a:fld id="{451C6312-3BC7-4381-BECD-7D23415C0CC9}" type="datetimeFigureOut">
               <a:rPr lang="en-IN" smtClean="0"/>
-              <a:t>03-10-2024</a:t>
+              <a:t>04-10-2024</a:t>
             </a:fld>
             <a:endParaRPr lang="en-IN"/>
           </a:p>
@@ -3818,7 +3818,7 @@
           <a:p>
             <a:fld id="{451C6312-3BC7-4381-BECD-7D23415C0CC9}" type="datetimeFigureOut">
               <a:rPr lang="en-IN" smtClean="0"/>
-              <a:t>03-10-2024</a:t>
+              <a:t>04-10-2024</a:t>
             </a:fld>
             <a:endParaRPr lang="en-IN"/>
           </a:p>
@@ -4098,7 +4098,7 @@
           <a:p>
             <a:fld id="{451C6312-3BC7-4381-BECD-7D23415C0CC9}" type="datetimeFigureOut">
               <a:rPr lang="en-IN" smtClean="0"/>
-              <a:t>03-10-2024</a:t>
+              <a:t>04-10-2024</a:t>
             </a:fld>
             <a:endParaRPr lang="en-IN"/>
           </a:p>
@@ -4365,7 +4365,7 @@
           <a:p>
             <a:fld id="{451C6312-3BC7-4381-BECD-7D23415C0CC9}" type="datetimeFigureOut">
               <a:rPr lang="en-IN" smtClean="0"/>
-              <a:t>03-10-2024</a:t>
+              <a:t>04-10-2024</a:t>
             </a:fld>
             <a:endParaRPr lang="en-IN"/>
           </a:p>
@@ -4780,7 +4780,7 @@
           <a:p>
             <a:fld id="{451C6312-3BC7-4381-BECD-7D23415C0CC9}" type="datetimeFigureOut">
               <a:rPr lang="en-IN" smtClean="0"/>
-              <a:t>03-10-2024</a:t>
+              <a:t>04-10-2024</a:t>
             </a:fld>
             <a:endParaRPr lang="en-IN"/>
           </a:p>
@@ -4928,7 +4928,7 @@
           <a:p>
             <a:fld id="{451C6312-3BC7-4381-BECD-7D23415C0CC9}" type="datetimeFigureOut">
               <a:rPr lang="en-IN" smtClean="0"/>
-              <a:t>03-10-2024</a:t>
+              <a:t>04-10-2024</a:t>
             </a:fld>
             <a:endParaRPr lang="en-IN"/>
           </a:p>
@@ -5053,7 +5053,7 @@
           <a:p>
             <a:fld id="{451C6312-3BC7-4381-BECD-7D23415C0CC9}" type="datetimeFigureOut">
               <a:rPr lang="en-IN" smtClean="0"/>
-              <a:t>03-10-2024</a:t>
+              <a:t>04-10-2024</a:t>
             </a:fld>
             <a:endParaRPr lang="en-IN"/>
           </a:p>
@@ -5332,7 +5332,7 @@
           <a:p>
             <a:fld id="{451C6312-3BC7-4381-BECD-7D23415C0CC9}" type="datetimeFigureOut">
               <a:rPr lang="en-IN" smtClean="0"/>
-              <a:t>03-10-2024</a:t>
+              <a:t>04-10-2024</a:t>
             </a:fld>
             <a:endParaRPr lang="en-IN"/>
           </a:p>
@@ -5647,7 +5647,7 @@
           <a:p>
             <a:fld id="{451C6312-3BC7-4381-BECD-7D23415C0CC9}" type="datetimeFigureOut">
               <a:rPr lang="en-IN" smtClean="0"/>
-              <a:t>03-10-2024</a:t>
+              <a:t>04-10-2024</a:t>
             </a:fld>
             <a:endParaRPr lang="en-IN"/>
           </a:p>
@@ -5900,7 +5900,7 @@
           <a:p>
             <a:fld id="{451C6312-3BC7-4381-BECD-7D23415C0CC9}" type="datetimeFigureOut">
               <a:rPr lang="en-IN" smtClean="0"/>
-              <a:t>03-10-2024</a:t>
+              <a:t>04-10-2024</a:t>
             </a:fld>
             <a:endParaRPr lang="en-IN"/>
           </a:p>
@@ -8107,209 +8107,6 @@
   <p:clrMapOvr>
     <a:masterClrMapping/>
   </p:clrMapOvr>
-  <p:timing>
-    <p:tnLst>
-      <p:par>
-        <p:cTn id="1" dur="indefinite" restart="never" nodeType="tmRoot">
-          <p:childTnLst>
-            <p:seq concurrent="1" nextAc="seek">
-              <p:cTn id="2" dur="indefinite" nodeType="mainSeq">
-                <p:childTnLst>
-                  <p:par>
-                    <p:cTn id="3" fill="hold">
-                      <p:stCondLst>
-                        <p:cond delay="indefinite"/>
-                      </p:stCondLst>
-                      <p:childTnLst>
-                        <p:par>
-                          <p:cTn id="4" fill="hold">
-                            <p:stCondLst>
-                              <p:cond delay="0"/>
-                            </p:stCondLst>
-                            <p:childTnLst>
-                              <p:par>
-                                <p:cTn id="5" presetID="1" presetClass="entr" presetSubtype="0" fill="hold" nodeType="clickEffect">
-                                  <p:stCondLst>
-                                    <p:cond delay="0"/>
-                                  </p:stCondLst>
-                                  <p:childTnLst>
-                                    <p:set>
-                                      <p:cBhvr>
-                                        <p:cTn id="6" dur="1" fill="hold">
-                                          <p:stCondLst>
-                                            <p:cond delay="0"/>
-                                          </p:stCondLst>
-                                        </p:cTn>
-                                        <p:tgtEl>
-                                          <p:spTgt spid="3">
-                                            <p:txEl>
-                                              <p:pRg st="0" end="0"/>
-                                            </p:txEl>
-                                          </p:spTgt>
-                                        </p:tgtEl>
-                                        <p:attrNameLst>
-                                          <p:attrName>style.visibility</p:attrName>
-                                        </p:attrNameLst>
-                                      </p:cBhvr>
-                                      <p:to>
-                                        <p:strVal val="visible"/>
-                                      </p:to>
-                                    </p:set>
-                                  </p:childTnLst>
-                                </p:cTn>
-                              </p:par>
-                              <p:par>
-                                <p:cTn id="7" presetID="1" presetClass="entr" presetSubtype="0" fill="hold" nodeType="withEffect">
-                                  <p:stCondLst>
-                                    <p:cond delay="0"/>
-                                  </p:stCondLst>
-                                  <p:childTnLst>
-                                    <p:set>
-                                      <p:cBhvr>
-                                        <p:cTn id="8" dur="1" fill="hold">
-                                          <p:stCondLst>
-                                            <p:cond delay="0"/>
-                                          </p:stCondLst>
-                                        </p:cTn>
-                                        <p:tgtEl>
-                                          <p:spTgt spid="3">
-                                            <p:txEl>
-                                              <p:pRg st="2" end="2"/>
-                                            </p:txEl>
-                                          </p:spTgt>
-                                        </p:tgtEl>
-                                        <p:attrNameLst>
-                                          <p:attrName>style.visibility</p:attrName>
-                                        </p:attrNameLst>
-                                      </p:cBhvr>
-                                      <p:to>
-                                        <p:strVal val="visible"/>
-                                      </p:to>
-                                    </p:set>
-                                  </p:childTnLst>
-                                </p:cTn>
-                              </p:par>
-                              <p:par>
-                                <p:cTn id="9" presetID="1" presetClass="entr" presetSubtype="0" fill="hold" nodeType="withEffect">
-                                  <p:stCondLst>
-                                    <p:cond delay="0"/>
-                                  </p:stCondLst>
-                                  <p:childTnLst>
-                                    <p:set>
-                                      <p:cBhvr>
-                                        <p:cTn id="10" dur="1" fill="hold">
-                                          <p:stCondLst>
-                                            <p:cond delay="0"/>
-                                          </p:stCondLst>
-                                        </p:cTn>
-                                        <p:tgtEl>
-                                          <p:spTgt spid="3">
-                                            <p:txEl>
-                                              <p:pRg st="4" end="4"/>
-                                            </p:txEl>
-                                          </p:spTgt>
-                                        </p:tgtEl>
-                                        <p:attrNameLst>
-                                          <p:attrName>style.visibility</p:attrName>
-                                        </p:attrNameLst>
-                                      </p:cBhvr>
-                                      <p:to>
-                                        <p:strVal val="visible"/>
-                                      </p:to>
-                                    </p:set>
-                                  </p:childTnLst>
-                                </p:cTn>
-                              </p:par>
-                              <p:par>
-                                <p:cTn id="11" presetID="1" presetClass="entr" presetSubtype="0" fill="hold" nodeType="withEffect">
-                                  <p:stCondLst>
-                                    <p:cond delay="0"/>
-                                  </p:stCondLst>
-                                  <p:childTnLst>
-                                    <p:set>
-                                      <p:cBhvr>
-                                        <p:cTn id="12" dur="1" fill="hold">
-                                          <p:stCondLst>
-                                            <p:cond delay="0"/>
-                                          </p:stCondLst>
-                                        </p:cTn>
-                                        <p:tgtEl>
-                                          <p:spTgt spid="3">
-                                            <p:txEl>
-                                              <p:pRg st="6" end="6"/>
-                                            </p:txEl>
-                                          </p:spTgt>
-                                        </p:tgtEl>
-                                        <p:attrNameLst>
-                                          <p:attrName>style.visibility</p:attrName>
-                                        </p:attrNameLst>
-                                      </p:cBhvr>
-                                      <p:to>
-                                        <p:strVal val="visible"/>
-                                      </p:to>
-                                    </p:set>
-                                  </p:childTnLst>
-                                </p:cTn>
-                              </p:par>
-                              <p:par>
-                                <p:cTn id="13" presetID="1" presetClass="entr" presetSubtype="0" fill="hold" nodeType="withEffect">
-                                  <p:stCondLst>
-                                    <p:cond delay="0"/>
-                                  </p:stCondLst>
-                                  <p:childTnLst>
-                                    <p:set>
-                                      <p:cBhvr>
-                                        <p:cTn id="14" dur="1" fill="hold">
-                                          <p:stCondLst>
-                                            <p:cond delay="0"/>
-                                          </p:stCondLst>
-                                        </p:cTn>
-                                        <p:tgtEl>
-                                          <p:spTgt spid="3">
-                                            <p:txEl>
-                                              <p:pRg st="8" end="8"/>
-                                            </p:txEl>
-                                          </p:spTgt>
-                                        </p:tgtEl>
-                                        <p:attrNameLst>
-                                          <p:attrName>style.visibility</p:attrName>
-                                        </p:attrNameLst>
-                                      </p:cBhvr>
-                                      <p:to>
-                                        <p:strVal val="visible"/>
-                                      </p:to>
-                                    </p:set>
-                                  </p:childTnLst>
-                                </p:cTn>
-                              </p:par>
-                            </p:childTnLst>
-                          </p:cTn>
-                        </p:par>
-                      </p:childTnLst>
-                    </p:cTn>
-                  </p:par>
-                </p:childTnLst>
-              </p:cTn>
-              <p:prevCondLst>
-                <p:cond evt="onPrev" delay="0">
-                  <p:tgtEl>
-                    <p:sldTgt/>
-                  </p:tgtEl>
-                </p:cond>
-              </p:prevCondLst>
-              <p:nextCondLst>
-                <p:cond evt="onNext" delay="0">
-                  <p:tgtEl>
-                    <p:sldTgt/>
-                  </p:tgtEl>
-                </p:cond>
-              </p:nextCondLst>
-            </p:seq>
-          </p:childTnLst>
-        </p:cTn>
-      </p:par>
-    </p:tnLst>
-  </p:timing>
 </p:sld>
 </file>
 
